--- a/notes/csc493-ln009.pptx
+++ b/notes/csc493-ln009.pptx
@@ -5,15 +5,22 @@
     <p:sldMasterId id="2147483651" r:id="rId1"/>
   </p:sldMasterIdLst>
   <p:notesMasterIdLst>
-    <p:notesMasterId r:id="rId5"/>
+    <p:notesMasterId r:id="rId12"/>
   </p:notesMasterIdLst>
   <p:handoutMasterIdLst>
-    <p:handoutMasterId r:id="rId6"/>
+    <p:handoutMasterId r:id="rId13"/>
   </p:handoutMasterIdLst>
   <p:sldIdLst>
     <p:sldId id="267" r:id="rId2"/>
-    <p:sldId id="268" r:id="rId3"/>
-    <p:sldId id="269" r:id="rId4"/>
+    <p:sldId id="270" r:id="rId3"/>
+    <p:sldId id="268" r:id="rId4"/>
+    <p:sldId id="269" r:id="rId5"/>
+    <p:sldId id="271" r:id="rId6"/>
+    <p:sldId id="272" r:id="rId7"/>
+    <p:sldId id="303" r:id="rId8"/>
+    <p:sldId id="304" r:id="rId9"/>
+    <p:sldId id="305" r:id="rId10"/>
+    <p:sldId id="306" r:id="rId11"/>
   </p:sldIdLst>
   <p:sldSz cx="9144000" cy="6858000" type="screen4x3"/>
   <p:notesSz cx="6856413" cy="9083675"/>
@@ -1627,7 +1634,7 @@
             <a:fld id="{58B45111-D3F4-D84A-9E89-DE518A006B13}" type="slidenum">
               <a:rPr lang="en-US" altLang="en-US" sz="1200"/>
               <a:pPr/>
-              <a:t>2</a:t>
+              <a:t>3</a:t>
             </a:fld>
             <a:endParaRPr lang="en-US" altLang="en-US" sz="1200"/>
           </a:p>
@@ -1882,7 +1889,7 @@
             <a:fld id="{58B45111-D3F4-D84A-9E89-DE518A006B13}" type="slidenum">
               <a:rPr lang="en-US" altLang="en-US" sz="1200"/>
               <a:pPr/>
-              <a:t>3</a:t>
+              <a:t>4</a:t>
             </a:fld>
             <a:endParaRPr lang="en-US" altLang="en-US" sz="1200"/>
           </a:p>
@@ -6186,6 +6193,114 @@
 </p:sld>
 </file>
 
+<file path=ppt/slides/slide10.xml><?xml version="1.0" encoding="utf-8"?>
+<p:sld xmlns:a="http://schemas.openxmlformats.org/drawingml/2006/main" xmlns:r="http://schemas.openxmlformats.org/officeDocument/2006/relationships" xmlns:p="http://schemas.openxmlformats.org/presentationml/2006/main">
+  <p:cSld>
+    <p:spTree>
+      <p:nvGrpSpPr>
+        <p:cNvPr id="1" name=""/>
+        <p:cNvGrpSpPr/>
+        <p:nvPr/>
+      </p:nvGrpSpPr>
+      <p:grpSpPr>
+        <a:xfrm>
+          <a:off x="0" y="0"/>
+          <a:ext cx="0" cy="0"/>
+          <a:chOff x="0" y="0"/>
+          <a:chExt cx="0" cy="0"/>
+        </a:xfrm>
+      </p:grpSpPr>
+      <p:sp>
+        <p:nvSpPr>
+          <p:cNvPr id="2" name="Title 1">
+            <a:extLst>
+              <a:ext uri="{FF2B5EF4-FFF2-40B4-BE49-F238E27FC236}">
+                <a16:creationId xmlns:a16="http://schemas.microsoft.com/office/drawing/2014/main" id="{F237DF38-CCEA-1C4B-AA26-540CCDE69A8A}"/>
+              </a:ext>
+            </a:extLst>
+          </p:cNvPr>
+          <p:cNvSpPr>
+            <a:spLocks noGrp="1"/>
+          </p:cNvSpPr>
+          <p:nvPr>
+            <p:ph type="title"/>
+          </p:nvPr>
+        </p:nvSpPr>
+        <p:spPr/>
+        <p:txBody>
+          <a:bodyPr/>
+          <a:lstStyle/>
+          <a:p>
+            <a:r>
+              <a:rPr lang="en-US" dirty="0"/>
+              <a:t>Reading</a:t>
+            </a:r>
+          </a:p>
+        </p:txBody>
+      </p:sp>
+      <p:sp>
+        <p:nvSpPr>
+          <p:cNvPr id="3" name="Content Placeholder 2">
+            <a:extLst>
+              <a:ext uri="{FF2B5EF4-FFF2-40B4-BE49-F238E27FC236}">
+                <a16:creationId xmlns:a16="http://schemas.microsoft.com/office/drawing/2014/main" id="{30988F56-C916-C74D-A523-A5AA77B3793D}"/>
+              </a:ext>
+            </a:extLst>
+          </p:cNvPr>
+          <p:cNvSpPr>
+            <a:spLocks noGrp="1"/>
+          </p:cNvSpPr>
+          <p:nvPr>
+            <p:ph idx="1"/>
+          </p:nvPr>
+        </p:nvSpPr>
+        <p:spPr>
+          <a:xfrm>
+            <a:off x="381000" y="1905000"/>
+            <a:ext cx="8153400" cy="4114800"/>
+          </a:xfrm>
+        </p:spPr>
+        <p:txBody>
+          <a:bodyPr/>
+          <a:lstStyle/>
+          <a:p>
+            <a:r>
+              <a:rPr lang="en-US" sz="1400" dirty="0">
+                <a:hlinkClick r:id="rId2"/>
+              </a:rPr>
+              <a:t>https://asteroid-lang.readthedocs.io/en/latest/User%20Guide.html#structures-object-oriented-programming-and-pattern-matching</a:t>
+            </a:r>
+          </a:p>
+          <a:p>
+            <a:r>
+              <a:rPr lang="en-US" sz="1400" dirty="0">
+                <a:hlinkClick r:id="rId2"/>
+              </a:rPr>
+              <a:t>https://asteroid-lang.readthedocs.io/en/latest/Reference%20Guide.html#list-and-string-objects</a:t>
+            </a:r>
+            <a:endParaRPr lang="en-US" sz="1400" dirty="0"/>
+          </a:p>
+          <a:p>
+            <a:endParaRPr lang="en-US" sz="1400" dirty="0"/>
+          </a:p>
+          <a:p>
+            <a:endParaRPr lang="en-US" dirty="0"/>
+          </a:p>
+        </p:txBody>
+      </p:sp>
+    </p:spTree>
+    <p:extLst>
+      <p:ext uri="{BB962C8B-B14F-4D97-AF65-F5344CB8AC3E}">
+        <p14:creationId xmlns:p14="http://schemas.microsoft.com/office/powerpoint/2010/main" val="2870576735"/>
+      </p:ext>
+    </p:extLst>
+  </p:cSld>
+  <p:clrMapOvr>
+    <a:masterClrMapping/>
+  </p:clrMapOvr>
+</p:sld>
+</file>
+
 <file path=ppt/slides/slide2.xml><?xml version="1.0" encoding="utf-8"?>
 <p:sld xmlns:a="http://schemas.openxmlformats.org/drawingml/2006/main" xmlns:r="http://schemas.openxmlformats.org/officeDocument/2006/relationships" xmlns:p="http://schemas.openxmlformats.org/presentationml/2006/main">
   <p:cSld>
@@ -6205,15 +6320,15 @@
       </p:grpSpPr>
       <p:sp>
         <p:nvSpPr>
-          <p:cNvPr id="41986" name="Rectangle 2">
+          <p:cNvPr id="2" name="Title 1">
             <a:extLst>
               <a:ext uri="{FF2B5EF4-FFF2-40B4-BE49-F238E27FC236}">
-                <a16:creationId xmlns:a16="http://schemas.microsoft.com/office/drawing/2014/main" id="{317E68C2-6C37-6E4B-9DFF-D29ED72B64CC}"/>
+                <a16:creationId xmlns:a16="http://schemas.microsoft.com/office/drawing/2014/main" id="{6AD6DD65-CBD4-5D46-826C-E1AA8ED65DA2}"/>
               </a:ext>
             </a:extLst>
           </p:cNvPr>
           <p:cNvSpPr>
-            <a:spLocks noGrp="1" noChangeArrowheads="1"/>
+            <a:spLocks noGrp="1"/>
           </p:cNvSpPr>
           <p:nvPr>
             <p:ph type="title"/>
@@ -6224,39 +6339,6 @@
             <a:off x="1524000" y="190500"/>
             <a:ext cx="7010400" cy="1527175"/>
           </a:xfrm>
-          <a:extLst>
-            <a:ext uri="{909E8E84-426E-40dd-AFC4-6F175D3DCCD1}">
-              <a14:hiddenFill xmlns="" xmlns:a14="http://schemas.microsoft.com/office/drawing/2010/main">
-                <a:solidFill>
-                  <a:schemeClr val="accent1"/>
-                </a:solidFill>
-              </a14:hiddenFill>
-            </a:ext>
-            <a:ext uri="{91240B29-F687-4f45-9708-019B960494DF}">
-              <a14:hiddenLine xmlns="" xmlns:a14="http://schemas.microsoft.com/office/drawing/2010/main" w="9525">
-                <a:solidFill>
-                  <a:schemeClr val="tx1"/>
-                </a:solidFill>
-                <a:miter lim="800000"/>
-                <a:headEnd/>
-                <a:tailEnd/>
-              </a14:hiddenLine>
-            </a:ext>
-            <a:ext uri="{AF507438-7753-43e0-B8FC-AC1667EBCBE1}">
-              <a14:hiddenEffects xmlns="" xmlns:a14="http://schemas.microsoft.com/office/drawing/2010/main">
-                <a:effectLst>
-                  <a:outerShdw blurRad="63500" dist="38099" dir="2700000" algn="ctr" rotWithShape="0">
-                    <a:schemeClr val="bg2">
-                      <a:alpha val="74998"/>
-                    </a:schemeClr>
-                  </a:outerShdw>
-                </a:effectLst>
-              </a14:hiddenEffects>
-            </a:ext>
-            <a:ext uri="{FAA26D3D-D897-4be2-8F04-BA451C77F1D7}">
-              <ma14:placeholderFlag xmlns="" xmlns:ma14="http://schemas.microsoft.com/office/mac/drawingml/2011/main" val="1"/>
-            </a:ext>
-          </a:extLst>
         </p:spPr>
         <p:txBody>
           <a:bodyPr wrap="square" anchor="ctr">
@@ -6264,157 +6346,9 @@
           </a:bodyPr>
           <a:lstStyle/>
           <a:p>
-            <a:pPr eaLnBrk="1" hangingPunct="1">
-              <a:defRPr/>
-            </a:pPr>
-            <a:r>
-              <a:rPr lang="en-US"/>
-              <a:t>Object-Oriented Programming with Asteroid</a:t>
-            </a:r>
-          </a:p>
-        </p:txBody>
-      </p:sp>
-      <p:sp>
-        <p:nvSpPr>
-          <p:cNvPr id="41987" name="Rectangle 3">
-            <a:extLst>
-              <a:ext uri="{FF2B5EF4-FFF2-40B4-BE49-F238E27FC236}">
-                <a16:creationId xmlns:a16="http://schemas.microsoft.com/office/drawing/2014/main" id="{5A88471D-204D-494D-A9B6-068D204E0DDB}"/>
-              </a:ext>
-            </a:extLst>
-          </p:cNvPr>
-          <p:cNvSpPr>
-            <a:spLocks noGrp="1" noChangeArrowheads="1"/>
-          </p:cNvSpPr>
-          <p:nvPr>
-            <p:ph sz="half" idx="2"/>
-          </p:nvPr>
-        </p:nvSpPr>
-        <p:spPr>
-          <a:xfrm>
-            <a:off x="5105400" y="1905000"/>
-            <a:ext cx="3429000" cy="4114800"/>
-          </a:xfrm>
-          <a:extLst>
-            <a:ext uri="{909E8E84-426E-40dd-AFC4-6F175D3DCCD1}">
-              <a14:hiddenFill xmlns="" xmlns:a14="http://schemas.microsoft.com/office/drawing/2010/main">
-                <a:solidFill>
-                  <a:schemeClr val="accent1"/>
-                </a:solidFill>
-              </a14:hiddenFill>
-            </a:ext>
-            <a:ext uri="{91240B29-F687-4f45-9708-019B960494DF}">
-              <a14:hiddenLine xmlns="" xmlns:a14="http://schemas.microsoft.com/office/drawing/2010/main" w="9525">
-                <a:solidFill>
-                  <a:schemeClr val="tx1"/>
-                </a:solidFill>
-                <a:miter lim="800000"/>
-                <a:headEnd/>
-                <a:tailEnd/>
-              </a14:hiddenLine>
-            </a:ext>
-            <a:ext uri="{AF507438-7753-43e0-B8FC-AC1667EBCBE1}">
-              <a14:hiddenEffects xmlns="" xmlns:a14="http://schemas.microsoft.com/office/drawing/2010/main">
-                <a:effectLst>
-                  <a:outerShdw blurRad="63500" dist="38099" dir="2700000" algn="ctr" rotWithShape="0">
-                    <a:schemeClr val="bg2">
-                      <a:alpha val="74998"/>
-                    </a:schemeClr>
-                  </a:outerShdw>
-                </a:effectLst>
-              </a14:hiddenEffects>
-            </a:ext>
-            <a:ext uri="{FAA26D3D-D897-4be2-8F04-BA451C77F1D7}">
-              <ma14:placeholderFlag xmlns="" xmlns:ma14="http://schemas.microsoft.com/office/mac/drawingml/2011/main" val="1"/>
-            </a:ext>
-          </a:extLst>
-        </p:spPr>
-        <p:txBody>
-          <a:bodyPr wrap="square" anchor="t">
-            <a:normAutofit/>
-          </a:bodyPr>
-          <a:lstStyle/>
-          <a:p>
-            <a:pPr>
-              <a:lnSpc>
-                <a:spcPct val="90000"/>
-              </a:lnSpc>
-              <a:defRPr/>
-            </a:pPr>
-            <a:r>
-              <a:rPr lang="en-US" sz="1500" dirty="0"/>
-              <a:t>Data and function members</a:t>
-            </a:r>
-          </a:p>
-          <a:p>
-            <a:pPr>
-              <a:lnSpc>
-                <a:spcPct val="90000"/>
-              </a:lnSpc>
-              <a:defRPr/>
-            </a:pPr>
-            <a:r>
-              <a:rPr lang="en-US" sz="1500" dirty="0"/>
-              <a:t>Notice the use of ‘this’</a:t>
-            </a:r>
-          </a:p>
-          <a:p>
-            <a:pPr>
-              <a:lnSpc>
-                <a:spcPct val="90000"/>
-              </a:lnSpc>
-              <a:defRPr/>
-            </a:pPr>
-            <a:r>
-              <a:rPr lang="en-US" sz="1500" dirty="0"/>
-              <a:t>We are using the default constructor that fills out the data members according to the order they appear.</a:t>
-            </a:r>
-          </a:p>
-          <a:p>
-            <a:pPr>
-              <a:lnSpc>
-                <a:spcPct val="90000"/>
-              </a:lnSpc>
-              <a:defRPr/>
-            </a:pPr>
-            <a:r>
-              <a:rPr lang="en-US" sz="1500" dirty="0"/>
-              <a:t>Taking advantage of default behavior when mapping object to a string.</a:t>
-            </a:r>
-          </a:p>
-        </p:txBody>
-      </p:sp>
-      <p:sp>
-        <p:nvSpPr>
-          <p:cNvPr id="3" name="TextBox 2">
-            <a:extLst>
-              <a:ext uri="{FF2B5EF4-FFF2-40B4-BE49-F238E27FC236}">
-                <a16:creationId xmlns:a16="http://schemas.microsoft.com/office/drawing/2014/main" id="{C1946215-2F91-DF4C-BD53-347BCB7BFF17}"/>
-              </a:ext>
-            </a:extLst>
-          </p:cNvPr>
-          <p:cNvSpPr txBox="1"/>
-          <p:nvPr/>
-        </p:nvSpPr>
-        <p:spPr>
-          <a:xfrm>
-            <a:off x="1664677" y="5451231"/>
-            <a:ext cx="1398140" cy="307777"/>
-          </a:xfrm>
-          <a:prstGeom prst="rect">
-            <a:avLst/>
-          </a:prstGeom>
-          <a:noFill/>
-        </p:spPr>
-        <p:txBody>
-          <a:bodyPr wrap="none" rtlCol="0">
-            <a:spAutoFit/>
-          </a:bodyPr>
-          <a:lstStyle/>
-          <a:p>
-            <a:r>
-              <a:rPr lang="en-US" sz="1400" dirty="0"/>
-              <a:t>ln009/rect1.ast</a:t>
+            <a:r>
+              <a:rPr lang="en-US" dirty="0"/>
+              <a:t>Object Identity</a:t>
             </a:r>
           </a:p>
         </p:txBody>
@@ -6424,7 +6358,7 @@
           <p:cNvPr id="4" name="Picture 3">
             <a:extLst>
               <a:ext uri="{FF2B5EF4-FFF2-40B4-BE49-F238E27FC236}">
-                <a16:creationId xmlns:a16="http://schemas.microsoft.com/office/drawing/2014/main" id="{8308EEB9-78D0-B745-81C5-2B3ED68D09B3}"/>
+                <a16:creationId xmlns:a16="http://schemas.microsoft.com/office/drawing/2014/main" id="{F8CE96CF-CAB5-C34C-9EEC-191636DF0687}"/>
               </a:ext>
             </a:extLst>
           </p:cNvPr>
@@ -6434,19 +6368,20 @@
           <p:nvPr/>
         </p:nvPicPr>
         <p:blipFill>
-          <a:blip r:embed="rId3"/>
+          <a:blip r:embed="rId2"/>
           <a:stretch>
             <a:fillRect/>
           </a:stretch>
         </p:blipFill>
         <p:spPr>
           <a:xfrm>
-            <a:off x="381000" y="2012950"/>
-            <a:ext cx="4470400" cy="2832100"/>
+            <a:off x="381000" y="2373154"/>
+            <a:ext cx="4376565" cy="2111692"/>
           </a:xfrm>
           <a:prstGeom prst="rect">
             <a:avLst/>
           </a:prstGeom>
+          <a:noFill/>
           <a:ln>
             <a:solidFill>
               <a:schemeClr val="tx1"/>
@@ -6454,10 +6389,85 @@
           </a:ln>
         </p:spPr>
       </p:pic>
+      <p:sp>
+        <p:nvSpPr>
+          <p:cNvPr id="3" name="Content Placeholder 2">
+            <a:extLst>
+              <a:ext uri="{FF2B5EF4-FFF2-40B4-BE49-F238E27FC236}">
+                <a16:creationId xmlns:a16="http://schemas.microsoft.com/office/drawing/2014/main" id="{73EAF968-47C3-D54B-B514-F4DB3BBAE916}"/>
+              </a:ext>
+            </a:extLst>
+          </p:cNvPr>
+          <p:cNvSpPr>
+            <a:spLocks noGrp="1"/>
+          </p:cNvSpPr>
+          <p:nvPr>
+            <p:ph sz="half" idx="2"/>
+          </p:nvPr>
+        </p:nvSpPr>
+        <p:spPr>
+          <a:xfrm>
+            <a:off x="5105400" y="1905000"/>
+            <a:ext cx="3429000" cy="4114800"/>
+          </a:xfrm>
+        </p:spPr>
+        <p:txBody>
+          <a:bodyPr wrap="square" anchor="t">
+            <a:normAutofit/>
+          </a:bodyPr>
+          <a:lstStyle/>
+          <a:p>
+            <a:r>
+              <a:rPr lang="en-US" dirty="0"/>
+              <a:t>Internal and external object identities are the same</a:t>
+            </a:r>
+          </a:p>
+        </p:txBody>
+      </p:sp>
+      <p:sp>
+        <p:nvSpPr>
+          <p:cNvPr id="5" name="TextBox 4">
+            <a:extLst>
+              <a:ext uri="{FF2B5EF4-FFF2-40B4-BE49-F238E27FC236}">
+                <a16:creationId xmlns:a16="http://schemas.microsoft.com/office/drawing/2014/main" id="{82BDF619-CE50-DC43-B996-81E4B3AA25E3}"/>
+              </a:ext>
+            </a:extLst>
+          </p:cNvPr>
+          <p:cNvSpPr txBox="1"/>
+          <p:nvPr/>
+        </p:nvSpPr>
+        <p:spPr>
+          <a:xfrm>
+            <a:off x="1606062" y="4771292"/>
+            <a:ext cx="1338828" cy="307777"/>
+          </a:xfrm>
+          <a:prstGeom prst="rect">
+            <a:avLst/>
+          </a:prstGeom>
+          <a:noFill/>
+        </p:spPr>
+        <p:txBody>
+          <a:bodyPr wrap="none" rtlCol="0">
+            <a:spAutoFit/>
+          </a:bodyPr>
+          <a:lstStyle/>
+          <a:p>
+            <a:r>
+              <a:rPr lang="en-US" sz="1400" dirty="0"/>
+              <a:t>ln009/</a:t>
+            </a:r>
+            <a:r>
+              <a:rPr lang="en-US" sz="1400" dirty="0" err="1"/>
+              <a:t>objid.ast</a:t>
+            </a:r>
+            <a:endParaRPr lang="en-US" sz="1400" dirty="0"/>
+          </a:p>
+        </p:txBody>
+      </p:sp>
     </p:spTree>
     <p:extLst>
       <p:ext uri="{BB962C8B-B14F-4D97-AF65-F5344CB8AC3E}">
-        <p14:creationId xmlns:p14="http://schemas.microsoft.com/office/powerpoint/2010/main" val="1485978719"/>
+        <p14:creationId xmlns:p14="http://schemas.microsoft.com/office/powerpoint/2010/main" val="3395139806"/>
       </p:ext>
     </p:extLst>
   </p:cSld>
@@ -6507,6 +6517,347 @@
           </a:xfrm>
           <a:extLst>
             <a:ext uri="{909E8E84-426E-40dd-AFC4-6F175D3DCCD1}">
+              <a14:hiddenFill xmlns="" xmlns:a14="http://schemas.microsoft.com/office/drawing/2010/main">
+                <a:solidFill>
+                  <a:schemeClr val="accent1"/>
+                </a:solidFill>
+              </a14:hiddenFill>
+            </a:ext>
+            <a:ext uri="{91240B29-F687-4f45-9708-019B960494DF}">
+              <a14:hiddenLine xmlns="" xmlns:a14="http://schemas.microsoft.com/office/drawing/2010/main" w="9525">
+                <a:solidFill>
+                  <a:schemeClr val="tx1"/>
+                </a:solidFill>
+                <a:miter lim="800000"/>
+                <a:headEnd/>
+                <a:tailEnd/>
+              </a14:hiddenLine>
+            </a:ext>
+            <a:ext uri="{AF507438-7753-43e0-B8FC-AC1667EBCBE1}">
+              <a14:hiddenEffects xmlns="" xmlns:a14="http://schemas.microsoft.com/office/drawing/2010/main">
+                <a:effectLst>
+                  <a:outerShdw blurRad="63500" dist="38099" dir="2700000" algn="ctr" rotWithShape="0">
+                    <a:schemeClr val="bg2">
+                      <a:alpha val="74998"/>
+                    </a:schemeClr>
+                  </a:outerShdw>
+                </a:effectLst>
+              </a14:hiddenEffects>
+            </a:ext>
+            <a:ext uri="{FAA26D3D-D897-4be2-8F04-BA451C77F1D7}">
+              <ma14:placeholderFlag xmlns="" xmlns:ma14="http://schemas.microsoft.com/office/mac/drawingml/2011/main" val="1"/>
+            </a:ext>
+          </a:extLst>
+        </p:spPr>
+        <p:txBody>
+          <a:bodyPr wrap="square" anchor="ctr">
+            <a:normAutofit/>
+          </a:bodyPr>
+          <a:lstStyle/>
+          <a:p>
+            <a:pPr eaLnBrk="1" hangingPunct="1">
+              <a:defRPr/>
+            </a:pPr>
+            <a:r>
+              <a:rPr lang="en-US" dirty="0"/>
+              <a:t>Basic Objects with Behavior</a:t>
+            </a:r>
+          </a:p>
+        </p:txBody>
+      </p:sp>
+      <p:sp>
+        <p:nvSpPr>
+          <p:cNvPr id="41987" name="Rectangle 3">
+            <a:extLst>
+              <a:ext uri="{FF2B5EF4-FFF2-40B4-BE49-F238E27FC236}">
+                <a16:creationId xmlns:a16="http://schemas.microsoft.com/office/drawing/2014/main" id="{5A88471D-204D-494D-A9B6-068D204E0DDB}"/>
+              </a:ext>
+            </a:extLst>
+          </p:cNvPr>
+          <p:cNvSpPr>
+            <a:spLocks noGrp="1" noChangeArrowheads="1"/>
+          </p:cNvSpPr>
+          <p:nvPr>
+            <p:ph sz="half" idx="2"/>
+          </p:nvPr>
+        </p:nvSpPr>
+        <p:spPr>
+          <a:xfrm>
+            <a:off x="5105400" y="1905000"/>
+            <a:ext cx="3429000" cy="4114800"/>
+          </a:xfrm>
+          <a:extLst>
+            <a:ext uri="{909E8E84-426E-40dd-AFC4-6F175D3DCCD1}">
+              <a14:hiddenFill xmlns="" xmlns:a14="http://schemas.microsoft.com/office/drawing/2010/main">
+                <a:solidFill>
+                  <a:schemeClr val="accent1"/>
+                </a:solidFill>
+              </a14:hiddenFill>
+            </a:ext>
+            <a:ext uri="{91240B29-F687-4f45-9708-019B960494DF}">
+              <a14:hiddenLine xmlns="" xmlns:a14="http://schemas.microsoft.com/office/drawing/2010/main" w="9525">
+                <a:solidFill>
+                  <a:schemeClr val="tx1"/>
+                </a:solidFill>
+                <a:miter lim="800000"/>
+                <a:headEnd/>
+                <a:tailEnd/>
+              </a14:hiddenLine>
+            </a:ext>
+            <a:ext uri="{AF507438-7753-43e0-B8FC-AC1667EBCBE1}">
+              <a14:hiddenEffects xmlns="" xmlns:a14="http://schemas.microsoft.com/office/drawing/2010/main">
+                <a:effectLst>
+                  <a:outerShdw blurRad="63500" dist="38099" dir="2700000" algn="ctr" rotWithShape="0">
+                    <a:schemeClr val="bg2">
+                      <a:alpha val="74998"/>
+                    </a:schemeClr>
+                  </a:outerShdw>
+                </a:effectLst>
+              </a14:hiddenEffects>
+            </a:ext>
+            <a:ext uri="{FAA26D3D-D897-4be2-8F04-BA451C77F1D7}">
+              <ma14:placeholderFlag xmlns="" xmlns:ma14="http://schemas.microsoft.com/office/mac/drawingml/2011/main" val="1"/>
+            </a:ext>
+          </a:extLst>
+        </p:spPr>
+        <p:txBody>
+          <a:bodyPr wrap="square" anchor="t">
+            <a:normAutofit/>
+          </a:bodyPr>
+          <a:lstStyle/>
+          <a:p>
+            <a:pPr>
+              <a:lnSpc>
+                <a:spcPct val="90000"/>
+              </a:lnSpc>
+              <a:defRPr/>
+            </a:pPr>
+            <a:r>
+              <a:rPr lang="en-US" sz="1500" dirty="0"/>
+              <a:t>Data and function members</a:t>
+            </a:r>
+          </a:p>
+          <a:p>
+            <a:pPr>
+              <a:lnSpc>
+                <a:spcPct val="90000"/>
+              </a:lnSpc>
+              <a:defRPr/>
+            </a:pPr>
+            <a:r>
+              <a:rPr lang="en-US" sz="1500" dirty="0"/>
+              <a:t>Member functions are functions defined in the context of a structure.</a:t>
+            </a:r>
+          </a:p>
+          <a:p>
+            <a:pPr>
+              <a:lnSpc>
+                <a:spcPct val="90000"/>
+              </a:lnSpc>
+              <a:defRPr/>
+            </a:pPr>
+            <a:r>
+              <a:rPr lang="en-US" sz="1500" dirty="0"/>
+              <a:t>Notice the use of ‘</a:t>
+            </a:r>
+            <a:r>
+              <a:rPr lang="en-US" sz="1500" b="1" dirty="0"/>
+              <a:t>this</a:t>
+            </a:r>
+            <a:r>
+              <a:rPr lang="en-US" sz="1500" dirty="0"/>
+              <a:t>’</a:t>
+            </a:r>
+          </a:p>
+          <a:p>
+            <a:pPr>
+              <a:lnSpc>
+                <a:spcPct val="90000"/>
+              </a:lnSpc>
+              <a:defRPr/>
+            </a:pPr>
+            <a:r>
+              <a:rPr lang="en-US" sz="1500" dirty="0"/>
+              <a:t>We are using the </a:t>
+            </a:r>
+            <a:r>
+              <a:rPr lang="en-US" sz="1500" b="1" dirty="0"/>
+              <a:t>default</a:t>
+            </a:r>
+            <a:r>
+              <a:rPr lang="en-US" sz="1500" dirty="0"/>
+              <a:t> </a:t>
+            </a:r>
+            <a:r>
+              <a:rPr lang="en-US" sz="1500" b="1" dirty="0"/>
+              <a:t>constructor</a:t>
+            </a:r>
+            <a:r>
+              <a:rPr lang="en-US" sz="1500" dirty="0"/>
+              <a:t> that fills out the data members according to the order they appear.</a:t>
+            </a:r>
+          </a:p>
+          <a:p>
+            <a:pPr>
+              <a:lnSpc>
+                <a:spcPct val="90000"/>
+              </a:lnSpc>
+              <a:defRPr/>
+            </a:pPr>
+            <a:r>
+              <a:rPr lang="en-US" sz="1500" dirty="0"/>
+              <a:t>Taking advantage of </a:t>
+            </a:r>
+            <a:r>
+              <a:rPr lang="en-US" sz="1500" b="1" dirty="0"/>
+              <a:t>default</a:t>
+            </a:r>
+            <a:r>
+              <a:rPr lang="en-US" sz="1500" dirty="0"/>
+              <a:t> </a:t>
+            </a:r>
+            <a:r>
+              <a:rPr lang="en-US" sz="1500" b="1" dirty="0"/>
+              <a:t>behavior</a:t>
+            </a:r>
+            <a:r>
+              <a:rPr lang="en-US" sz="1500" dirty="0"/>
+              <a:t> when mapping object to a </a:t>
+            </a:r>
+            <a:r>
+              <a:rPr lang="en-US" sz="1500" b="1" dirty="0"/>
+              <a:t>string</a:t>
+            </a:r>
+            <a:r>
+              <a:rPr lang="en-US" sz="1500" dirty="0"/>
+              <a:t>.</a:t>
+            </a:r>
+          </a:p>
+        </p:txBody>
+      </p:sp>
+      <p:sp>
+        <p:nvSpPr>
+          <p:cNvPr id="3" name="TextBox 2">
+            <a:extLst>
+              <a:ext uri="{FF2B5EF4-FFF2-40B4-BE49-F238E27FC236}">
+                <a16:creationId xmlns:a16="http://schemas.microsoft.com/office/drawing/2014/main" id="{C1946215-2F91-DF4C-BD53-347BCB7BFF17}"/>
+              </a:ext>
+            </a:extLst>
+          </p:cNvPr>
+          <p:cNvSpPr txBox="1"/>
+          <p:nvPr/>
+        </p:nvSpPr>
+        <p:spPr>
+          <a:xfrm>
+            <a:off x="1664677" y="5451231"/>
+            <a:ext cx="1398140" cy="307777"/>
+          </a:xfrm>
+          <a:prstGeom prst="rect">
+            <a:avLst/>
+          </a:prstGeom>
+          <a:noFill/>
+        </p:spPr>
+        <p:txBody>
+          <a:bodyPr wrap="none" rtlCol="0">
+            <a:spAutoFit/>
+          </a:bodyPr>
+          <a:lstStyle/>
+          <a:p>
+            <a:r>
+              <a:rPr lang="en-US" sz="1400" dirty="0"/>
+              <a:t>ln009/rect1.ast</a:t>
+            </a:r>
+          </a:p>
+        </p:txBody>
+      </p:sp>
+      <p:pic>
+        <p:nvPicPr>
+          <p:cNvPr id="4" name="Picture 3">
+            <a:extLst>
+              <a:ext uri="{FF2B5EF4-FFF2-40B4-BE49-F238E27FC236}">
+                <a16:creationId xmlns:a16="http://schemas.microsoft.com/office/drawing/2014/main" id="{8308EEB9-78D0-B745-81C5-2B3ED68D09B3}"/>
+              </a:ext>
+            </a:extLst>
+          </p:cNvPr>
+          <p:cNvPicPr>
+            <a:picLocks noChangeAspect="1"/>
+          </p:cNvPicPr>
+          <p:nvPr/>
+        </p:nvPicPr>
+        <p:blipFill>
+          <a:blip r:embed="rId3"/>
+          <a:stretch>
+            <a:fillRect/>
+          </a:stretch>
+        </p:blipFill>
+        <p:spPr>
+          <a:xfrm>
+            <a:off x="381000" y="2012950"/>
+            <a:ext cx="4470400" cy="2832100"/>
+          </a:xfrm>
+          <a:prstGeom prst="rect">
+            <a:avLst/>
+          </a:prstGeom>
+          <a:ln>
+            <a:solidFill>
+              <a:schemeClr val="tx1"/>
+            </a:solidFill>
+          </a:ln>
+        </p:spPr>
+      </p:pic>
+    </p:spTree>
+    <p:extLst>
+      <p:ext uri="{BB962C8B-B14F-4D97-AF65-F5344CB8AC3E}">
+        <p14:creationId xmlns:p14="http://schemas.microsoft.com/office/powerpoint/2010/main" val="1485978719"/>
+      </p:ext>
+    </p:extLst>
+  </p:cSld>
+  <p:clrMapOvr>
+    <a:masterClrMapping/>
+  </p:clrMapOvr>
+</p:sld>
+</file>
+
+<file path=ppt/slides/slide4.xml><?xml version="1.0" encoding="utf-8"?>
+<p:sld xmlns:a="http://schemas.openxmlformats.org/drawingml/2006/main" xmlns:r="http://schemas.openxmlformats.org/officeDocument/2006/relationships" xmlns:p="http://schemas.openxmlformats.org/presentationml/2006/main">
+  <p:cSld>
+    <p:spTree>
+      <p:nvGrpSpPr>
+        <p:cNvPr id="1" name=""/>
+        <p:cNvGrpSpPr/>
+        <p:nvPr/>
+      </p:nvGrpSpPr>
+      <p:grpSpPr>
+        <a:xfrm>
+          <a:off x="0" y="0"/>
+          <a:ext cx="0" cy="0"/>
+          <a:chOff x="0" y="0"/>
+          <a:chExt cx="0" cy="0"/>
+        </a:xfrm>
+      </p:grpSpPr>
+      <p:sp>
+        <p:nvSpPr>
+          <p:cNvPr id="41986" name="Rectangle 2">
+            <a:extLst>
+              <a:ext uri="{FF2B5EF4-FFF2-40B4-BE49-F238E27FC236}">
+                <a16:creationId xmlns:a16="http://schemas.microsoft.com/office/drawing/2014/main" id="{317E68C2-6C37-6E4B-9DFF-D29ED72B64CC}"/>
+              </a:ext>
+            </a:extLst>
+          </p:cNvPr>
+          <p:cNvSpPr>
+            <a:spLocks noGrp="1" noChangeArrowheads="1"/>
+          </p:cNvSpPr>
+          <p:nvPr>
+            <p:ph type="title"/>
+          </p:nvPr>
+        </p:nvSpPr>
+        <p:spPr>
+          <a:xfrm>
+            <a:off x="1524000" y="190500"/>
+            <a:ext cx="7010400" cy="1527175"/>
+          </a:xfrm>
+          <a:extLst>
+            <a:ext uri="{909E8E84-426E-40dd-AFC4-6F175D3DCCD1}">
               <a14:hiddenFill xmlns:a14="http://schemas.microsoft.com/office/drawing/2010/main" xmlns="">
                 <a:solidFill>
                   <a:schemeClr val="accent1"/>
@@ -6549,8 +6900,8 @@
               <a:defRPr/>
             </a:pPr>
             <a:r>
-              <a:rPr lang="en-US"/>
-              <a:t>Object-Oriented Programming with Asteroid</a:t>
+              <a:rPr lang="en-US" dirty="0"/>
+              <a:t>Custom Constructors and String Mapping</a:t>
             </a:r>
           </a:p>
         </p:txBody>
@@ -6743,6 +7094,1573 @@
     <p:extLst>
       <p:ext uri="{BB962C8B-B14F-4D97-AF65-F5344CB8AC3E}">
         <p14:creationId xmlns:p14="http://schemas.microsoft.com/office/powerpoint/2010/main" val="4113970519"/>
+      </p:ext>
+    </p:extLst>
+  </p:cSld>
+  <p:clrMapOvr>
+    <a:masterClrMapping/>
+  </p:clrMapOvr>
+</p:sld>
+</file>
+
+<file path=ppt/slides/slide5.xml><?xml version="1.0" encoding="utf-8"?>
+<p:sld xmlns:a="http://schemas.openxmlformats.org/drawingml/2006/main" xmlns:r="http://schemas.openxmlformats.org/officeDocument/2006/relationships" xmlns:p="http://schemas.openxmlformats.org/presentationml/2006/main">
+  <p:cSld>
+    <p:spTree>
+      <p:nvGrpSpPr>
+        <p:cNvPr id="1" name=""/>
+        <p:cNvGrpSpPr/>
+        <p:nvPr/>
+      </p:nvGrpSpPr>
+      <p:grpSpPr>
+        <a:xfrm>
+          <a:off x="0" y="0"/>
+          <a:ext cx="0" cy="0"/>
+          <a:chOff x="0" y="0"/>
+          <a:chExt cx="0" cy="0"/>
+        </a:xfrm>
+      </p:grpSpPr>
+      <p:sp>
+        <p:nvSpPr>
+          <p:cNvPr id="5" name="Title 4">
+            <a:extLst>
+              <a:ext uri="{FF2B5EF4-FFF2-40B4-BE49-F238E27FC236}">
+                <a16:creationId xmlns:a16="http://schemas.microsoft.com/office/drawing/2014/main" id="{320F7535-6650-7D44-A836-6D8296A62437}"/>
+              </a:ext>
+            </a:extLst>
+          </p:cNvPr>
+          <p:cNvSpPr>
+            <a:spLocks noGrp="1"/>
+          </p:cNvSpPr>
+          <p:nvPr>
+            <p:ph type="title"/>
+          </p:nvPr>
+        </p:nvSpPr>
+        <p:spPr/>
+        <p:txBody>
+          <a:bodyPr/>
+          <a:lstStyle/>
+          <a:p>
+            <a:r>
+              <a:rPr lang="en-US" dirty="0"/>
+              <a:t>Pattern Matching on Objects</a:t>
+            </a:r>
+          </a:p>
+        </p:txBody>
+      </p:sp>
+      <p:sp>
+        <p:nvSpPr>
+          <p:cNvPr id="6" name="Content Placeholder 5">
+            <a:extLst>
+              <a:ext uri="{FF2B5EF4-FFF2-40B4-BE49-F238E27FC236}">
+                <a16:creationId xmlns:a16="http://schemas.microsoft.com/office/drawing/2014/main" id="{DC033628-268D-A94D-B3DA-59DB4D92F371}"/>
+              </a:ext>
+            </a:extLst>
+          </p:cNvPr>
+          <p:cNvSpPr>
+            <a:spLocks noGrp="1"/>
+          </p:cNvSpPr>
+          <p:nvPr>
+            <p:ph idx="1"/>
+          </p:nvPr>
+        </p:nvSpPr>
+        <p:spPr>
+          <a:xfrm>
+            <a:off x="1524000" y="1600200"/>
+            <a:ext cx="7239000" cy="1905000"/>
+          </a:xfrm>
+        </p:spPr>
+        <p:txBody>
+          <a:bodyPr>
+            <a:normAutofit fontScale="77500" lnSpcReduction="20000"/>
+          </a:bodyPr>
+          <a:lstStyle/>
+          <a:p>
+            <a:r>
+              <a:rPr lang="en-US" dirty="0"/>
+              <a:t>During pattern matching on objects member functions are ignored</a:t>
+            </a:r>
+          </a:p>
+          <a:p>
+            <a:pPr lvl="1"/>
+            <a:r>
+              <a:rPr lang="en-US" dirty="0"/>
+              <a:t>It doesn’t matter where the functions appear.</a:t>
+            </a:r>
+          </a:p>
+          <a:p>
+            <a:pPr lvl="1"/>
+            <a:r>
+              <a:rPr lang="en-US" b="1" dirty="0"/>
+              <a:t>You cannot pattern-match on functions!</a:t>
+            </a:r>
+          </a:p>
+          <a:p>
+            <a:pPr lvl="1"/>
+            <a:r>
+              <a:rPr lang="en-US" b="1" dirty="0"/>
+              <a:t>You can only pattern-match on data members.</a:t>
+            </a:r>
+          </a:p>
+        </p:txBody>
+      </p:sp>
+      <p:pic>
+        <p:nvPicPr>
+          <p:cNvPr id="7" name="Picture 6">
+            <a:extLst>
+              <a:ext uri="{FF2B5EF4-FFF2-40B4-BE49-F238E27FC236}">
+                <a16:creationId xmlns:a16="http://schemas.microsoft.com/office/drawing/2014/main" id="{DB883911-D6CC-274C-B979-68AD0E271AED}"/>
+              </a:ext>
+            </a:extLst>
+          </p:cNvPr>
+          <p:cNvPicPr>
+            <a:picLocks noChangeAspect="1"/>
+          </p:cNvPicPr>
+          <p:nvPr/>
+        </p:nvPicPr>
+        <p:blipFill>
+          <a:blip r:embed="rId2"/>
+          <a:stretch>
+            <a:fillRect/>
+          </a:stretch>
+        </p:blipFill>
+        <p:spPr>
+          <a:xfrm>
+            <a:off x="228599" y="3733800"/>
+            <a:ext cx="3915553" cy="2362200"/>
+          </a:xfrm>
+          <a:prstGeom prst="rect">
+            <a:avLst/>
+          </a:prstGeom>
+          <a:ln>
+            <a:solidFill>
+              <a:schemeClr val="tx1"/>
+            </a:solidFill>
+          </a:ln>
+        </p:spPr>
+      </p:pic>
+      <p:pic>
+        <p:nvPicPr>
+          <p:cNvPr id="8" name="Picture 7">
+            <a:extLst>
+              <a:ext uri="{FF2B5EF4-FFF2-40B4-BE49-F238E27FC236}">
+                <a16:creationId xmlns:a16="http://schemas.microsoft.com/office/drawing/2014/main" id="{5C54D957-E16A-8F4A-A4F1-B0CCFBD22D9A}"/>
+              </a:ext>
+            </a:extLst>
+          </p:cNvPr>
+          <p:cNvPicPr>
+            <a:picLocks noChangeAspect="1"/>
+          </p:cNvPicPr>
+          <p:nvPr/>
+        </p:nvPicPr>
+        <p:blipFill>
+          <a:blip r:embed="rId3"/>
+          <a:stretch>
+            <a:fillRect/>
+          </a:stretch>
+        </p:blipFill>
+        <p:spPr>
+          <a:xfrm>
+            <a:off x="4762501" y="4212424"/>
+            <a:ext cx="4152900" cy="2505388"/>
+          </a:xfrm>
+          <a:prstGeom prst="rect">
+            <a:avLst/>
+          </a:prstGeom>
+          <a:ln>
+            <a:solidFill>
+              <a:schemeClr val="tx1"/>
+            </a:solidFill>
+          </a:ln>
+        </p:spPr>
+      </p:pic>
+      <p:sp>
+        <p:nvSpPr>
+          <p:cNvPr id="9" name="Left-Right Arrow 8">
+            <a:extLst>
+              <a:ext uri="{FF2B5EF4-FFF2-40B4-BE49-F238E27FC236}">
+                <a16:creationId xmlns:a16="http://schemas.microsoft.com/office/drawing/2014/main" id="{76344B70-D0DE-D148-A247-A039B35EDA33}"/>
+              </a:ext>
+            </a:extLst>
+          </p:cNvPr>
+          <p:cNvSpPr/>
+          <p:nvPr/>
+        </p:nvSpPr>
+        <p:spPr bwMode="auto">
+          <a:xfrm rot="878733">
+            <a:off x="4038600" y="4944097"/>
+            <a:ext cx="571500" cy="304800"/>
+          </a:xfrm>
+          <a:prstGeom prst="leftRightArrow">
+            <a:avLst/>
+          </a:prstGeom>
+          <a:solidFill>
+            <a:srgbClr val="FF0000"/>
+          </a:solidFill>
+          <a:ln w="9525" cap="flat" cmpd="sng" algn="ctr">
+            <a:solidFill>
+              <a:schemeClr val="tx1"/>
+            </a:solidFill>
+            <a:prstDash val="solid"/>
+            <a:round/>
+            <a:headEnd type="none" w="med" len="med"/>
+            <a:tailEnd type="none" w="med" len="med"/>
+          </a:ln>
+          <a:effectLst/>
+          <a:extLst>
+            <a:ext uri="{AF507438-7753-43e0-B8FC-AC1667EBCBE1}">
+              <a14:hiddenEffects xmlns:a14="http://schemas.microsoft.com/office/drawing/2010/main" xmlns="">
+                <a:effectLst>
+                  <a:outerShdw blurRad="63500" dist="38099" dir="2700000" algn="ctr" rotWithShape="0">
+                    <a:schemeClr val="bg2">
+                      <a:alpha val="74998"/>
+                    </a:schemeClr>
+                  </a:outerShdw>
+                </a:effectLst>
+              </a14:hiddenEffects>
+            </a:ext>
+          </a:extLst>
+        </p:spPr>
+        <p:txBody>
+          <a:bodyPr vert="horz" wrap="square" lIns="91440" tIns="45720" rIns="91440" bIns="45720" numCol="1" rtlCol="0" anchor="t" anchorCtr="0" compatLnSpc="1">
+            <a:prstTxWarp prst="textNoShape">
+              <a:avLst/>
+            </a:prstTxWarp>
+          </a:bodyPr>
+          <a:lstStyle/>
+          <a:p>
+            <a:pPr marL="0" marR="0" indent="0" algn="l" defTabSz="914400" rtl="0" eaLnBrk="0" fontAlgn="base" latinLnBrk="0" hangingPunct="0">
+              <a:lnSpc>
+                <a:spcPct val="100000"/>
+              </a:lnSpc>
+              <a:spcBef>
+                <a:spcPct val="0"/>
+              </a:spcBef>
+              <a:spcAft>
+                <a:spcPct val="0"/>
+              </a:spcAft>
+              <a:buClrTx/>
+              <a:buSzTx/>
+              <a:buFontTx/>
+              <a:buNone/>
+              <a:tabLst/>
+            </a:pPr>
+            <a:endParaRPr kumimoji="0" lang="en-US" sz="1600" b="0" i="0" u="none" strike="noStrike" cap="none" normalizeH="0" baseline="0">
+              <a:ln>
+                <a:noFill/>
+              </a:ln>
+              <a:solidFill>
+                <a:srgbClr val="000000"/>
+              </a:solidFill>
+              <a:effectLst/>
+              <a:latin typeface="Arial" charset="0"/>
+              <a:ea typeface="ＭＳ Ｐゴシック" charset="0"/>
+            </a:endParaRPr>
+          </a:p>
+        </p:txBody>
+      </p:sp>
+    </p:spTree>
+    <p:extLst>
+      <p:ext uri="{BB962C8B-B14F-4D97-AF65-F5344CB8AC3E}">
+        <p14:creationId xmlns:p14="http://schemas.microsoft.com/office/powerpoint/2010/main" val="197382000"/>
+      </p:ext>
+    </p:extLst>
+  </p:cSld>
+  <p:clrMapOvr>
+    <a:masterClrMapping/>
+  </p:clrMapOvr>
+</p:sld>
+</file>
+
+<file path=ppt/slides/slide6.xml><?xml version="1.0" encoding="utf-8"?>
+<p:sld xmlns:a="http://schemas.openxmlformats.org/drawingml/2006/main" xmlns:r="http://schemas.openxmlformats.org/officeDocument/2006/relationships" xmlns:p="http://schemas.openxmlformats.org/presentationml/2006/main">
+  <p:cSld>
+    <p:spTree>
+      <p:nvGrpSpPr>
+        <p:cNvPr id="1" name=""/>
+        <p:cNvGrpSpPr/>
+        <p:nvPr/>
+      </p:nvGrpSpPr>
+      <p:grpSpPr>
+        <a:xfrm>
+          <a:off x="0" y="0"/>
+          <a:ext cx="0" cy="0"/>
+          <a:chOff x="0" y="0"/>
+          <a:chExt cx="0" cy="0"/>
+        </a:xfrm>
+      </p:grpSpPr>
+      <p:sp>
+        <p:nvSpPr>
+          <p:cNvPr id="5" name="Title 4">
+            <a:extLst>
+              <a:ext uri="{FF2B5EF4-FFF2-40B4-BE49-F238E27FC236}">
+                <a16:creationId xmlns:a16="http://schemas.microsoft.com/office/drawing/2014/main" id="{320F7535-6650-7D44-A836-6D8296A62437}"/>
+              </a:ext>
+            </a:extLst>
+          </p:cNvPr>
+          <p:cNvSpPr>
+            <a:spLocks noGrp="1"/>
+          </p:cNvSpPr>
+          <p:nvPr>
+            <p:ph type="title"/>
+          </p:nvPr>
+        </p:nvSpPr>
+        <p:spPr/>
+        <p:txBody>
+          <a:bodyPr/>
+          <a:lstStyle/>
+          <a:p>
+            <a:r>
+              <a:rPr lang="en-US" dirty="0"/>
+              <a:t>Pattern Matching on Objects</a:t>
+            </a:r>
+          </a:p>
+        </p:txBody>
+      </p:sp>
+      <p:sp>
+        <p:nvSpPr>
+          <p:cNvPr id="6" name="Content Placeholder 5">
+            <a:extLst>
+              <a:ext uri="{FF2B5EF4-FFF2-40B4-BE49-F238E27FC236}">
+                <a16:creationId xmlns:a16="http://schemas.microsoft.com/office/drawing/2014/main" id="{DC033628-268D-A94D-B3DA-59DB4D92F371}"/>
+              </a:ext>
+            </a:extLst>
+          </p:cNvPr>
+          <p:cNvSpPr>
+            <a:spLocks noGrp="1"/>
+          </p:cNvSpPr>
+          <p:nvPr>
+            <p:ph idx="1"/>
+          </p:nvPr>
+        </p:nvSpPr>
+        <p:spPr>
+          <a:xfrm>
+            <a:off x="1524000" y="1365738"/>
+            <a:ext cx="7239000" cy="1905000"/>
+          </a:xfrm>
+        </p:spPr>
+        <p:txBody>
+          <a:bodyPr>
+            <a:normAutofit lnSpcReduction="10000"/>
+          </a:bodyPr>
+          <a:lstStyle/>
+          <a:p>
+            <a:r>
+              <a:rPr lang="en-US" dirty="0"/>
+              <a:t>It is not a surprise that object patterns can be used as constraints.</a:t>
+            </a:r>
+          </a:p>
+          <a:p>
+            <a:r>
+              <a:rPr lang="en-US" dirty="0"/>
+              <a:t>All patterns we have looked at so far also apply to objects.</a:t>
+            </a:r>
+          </a:p>
+          <a:p>
+            <a:endParaRPr lang="en-US" dirty="0"/>
+          </a:p>
+        </p:txBody>
+      </p:sp>
+      <p:pic>
+        <p:nvPicPr>
+          <p:cNvPr id="2" name="Picture 1">
+            <a:extLst>
+              <a:ext uri="{FF2B5EF4-FFF2-40B4-BE49-F238E27FC236}">
+                <a16:creationId xmlns:a16="http://schemas.microsoft.com/office/drawing/2014/main" id="{679654E1-8E1B-D340-A96D-C4370BC2EF4F}"/>
+              </a:ext>
+            </a:extLst>
+          </p:cNvPr>
+          <p:cNvPicPr>
+            <a:picLocks noChangeAspect="1"/>
+          </p:cNvPicPr>
+          <p:nvPr/>
+        </p:nvPicPr>
+        <p:blipFill>
+          <a:blip r:embed="rId2"/>
+          <a:stretch>
+            <a:fillRect/>
+          </a:stretch>
+        </p:blipFill>
+        <p:spPr>
+          <a:xfrm>
+            <a:off x="1981200" y="3616885"/>
+            <a:ext cx="4972050" cy="2783915"/>
+          </a:xfrm>
+          <a:prstGeom prst="rect">
+            <a:avLst/>
+          </a:prstGeom>
+          <a:ln>
+            <a:solidFill>
+              <a:schemeClr val="tx1"/>
+            </a:solidFill>
+          </a:ln>
+        </p:spPr>
+      </p:pic>
+      <p:sp>
+        <p:nvSpPr>
+          <p:cNvPr id="3" name="Right Arrow 2">
+            <a:extLst>
+              <a:ext uri="{FF2B5EF4-FFF2-40B4-BE49-F238E27FC236}">
+                <a16:creationId xmlns:a16="http://schemas.microsoft.com/office/drawing/2014/main" id="{84369347-13E6-5A4C-BEC7-9C4E3C07E1AA}"/>
+              </a:ext>
+            </a:extLst>
+          </p:cNvPr>
+          <p:cNvSpPr/>
+          <p:nvPr/>
+        </p:nvSpPr>
+        <p:spPr bwMode="auto">
+          <a:xfrm>
+            <a:off x="1600200" y="5902885"/>
+            <a:ext cx="457200" cy="304800"/>
+          </a:xfrm>
+          <a:prstGeom prst="rightArrow">
+            <a:avLst/>
+          </a:prstGeom>
+          <a:solidFill>
+            <a:srgbClr val="FF0000"/>
+          </a:solidFill>
+          <a:ln w="9525" cap="flat" cmpd="sng" algn="ctr">
+            <a:solidFill>
+              <a:schemeClr val="tx1"/>
+            </a:solidFill>
+            <a:prstDash val="solid"/>
+            <a:round/>
+            <a:headEnd type="none" w="med" len="med"/>
+            <a:tailEnd type="none" w="med" len="med"/>
+          </a:ln>
+          <a:effectLst/>
+          <a:extLst>
+            <a:ext uri="{AF507438-7753-43e0-B8FC-AC1667EBCBE1}">
+              <a14:hiddenEffects xmlns:a14="http://schemas.microsoft.com/office/drawing/2010/main" xmlns="">
+                <a:effectLst>
+                  <a:outerShdw blurRad="63500" dist="38099" dir="2700000" algn="ctr" rotWithShape="0">
+                    <a:schemeClr val="bg2">
+                      <a:alpha val="74998"/>
+                    </a:schemeClr>
+                  </a:outerShdw>
+                </a:effectLst>
+              </a14:hiddenEffects>
+            </a:ext>
+          </a:extLst>
+        </p:spPr>
+        <p:txBody>
+          <a:bodyPr vert="horz" wrap="square" lIns="91440" tIns="45720" rIns="91440" bIns="45720" numCol="1" rtlCol="0" anchor="t" anchorCtr="0" compatLnSpc="1">
+            <a:prstTxWarp prst="textNoShape">
+              <a:avLst/>
+            </a:prstTxWarp>
+          </a:bodyPr>
+          <a:lstStyle/>
+          <a:p>
+            <a:pPr marL="0" marR="0" indent="0" algn="l" defTabSz="914400" rtl="0" eaLnBrk="0" fontAlgn="base" latinLnBrk="0" hangingPunct="0">
+              <a:lnSpc>
+                <a:spcPct val="100000"/>
+              </a:lnSpc>
+              <a:spcBef>
+                <a:spcPct val="0"/>
+              </a:spcBef>
+              <a:spcAft>
+                <a:spcPct val="0"/>
+              </a:spcAft>
+              <a:buClrTx/>
+              <a:buSzTx/>
+              <a:buFontTx/>
+              <a:buNone/>
+              <a:tabLst/>
+            </a:pPr>
+            <a:endParaRPr kumimoji="0" lang="en-US" sz="1600" b="0" i="0" u="none" strike="noStrike" cap="none" normalizeH="0" baseline="0">
+              <a:ln>
+                <a:noFill/>
+              </a:ln>
+              <a:solidFill>
+                <a:srgbClr val="000000"/>
+              </a:solidFill>
+              <a:effectLst/>
+              <a:latin typeface="Arial" charset="0"/>
+              <a:ea typeface="ＭＳ Ｐゴシック" charset="0"/>
+            </a:endParaRPr>
+          </a:p>
+        </p:txBody>
+      </p:sp>
+    </p:spTree>
+    <p:extLst>
+      <p:ext uri="{BB962C8B-B14F-4D97-AF65-F5344CB8AC3E}">
+        <p14:creationId xmlns:p14="http://schemas.microsoft.com/office/powerpoint/2010/main" val="1492797813"/>
+      </p:ext>
+    </p:extLst>
+  </p:cSld>
+  <p:clrMapOvr>
+    <a:masterClrMapping/>
+  </p:clrMapOvr>
+</p:sld>
+</file>
+
+<file path=ppt/slides/slide7.xml><?xml version="1.0" encoding="utf-8"?>
+<p:sld xmlns:a="http://schemas.openxmlformats.org/drawingml/2006/main" xmlns:r="http://schemas.openxmlformats.org/officeDocument/2006/relationships" xmlns:p="http://schemas.openxmlformats.org/presentationml/2006/main">
+  <p:cSld>
+    <p:spTree>
+      <p:nvGrpSpPr>
+        <p:cNvPr id="1" name=""/>
+        <p:cNvGrpSpPr/>
+        <p:nvPr/>
+      </p:nvGrpSpPr>
+      <p:grpSpPr>
+        <a:xfrm>
+          <a:off x="0" y="0"/>
+          <a:ext cx="0" cy="0"/>
+          <a:chOff x="0" y="0"/>
+          <a:chExt cx="0" cy="0"/>
+        </a:xfrm>
+      </p:grpSpPr>
+      <p:sp>
+        <p:nvSpPr>
+          <p:cNvPr id="3" name="Title 2">
+            <a:extLst>
+              <a:ext uri="{FF2B5EF4-FFF2-40B4-BE49-F238E27FC236}">
+                <a16:creationId xmlns:a16="http://schemas.microsoft.com/office/drawing/2014/main" id="{9389A99E-9AE2-8144-9DCE-6CA057670723}"/>
+              </a:ext>
+            </a:extLst>
+          </p:cNvPr>
+          <p:cNvSpPr>
+            <a:spLocks noGrp="1"/>
+          </p:cNvSpPr>
+          <p:nvPr>
+            <p:ph type="title"/>
+          </p:nvPr>
+        </p:nvSpPr>
+        <p:spPr/>
+        <p:txBody>
+          <a:bodyPr/>
+          <a:lstStyle/>
+          <a:p>
+            <a:r>
+              <a:rPr lang="en-US" dirty="0"/>
+              <a:t>Object Composition</a:t>
+            </a:r>
+          </a:p>
+        </p:txBody>
+      </p:sp>
+      <p:sp>
+        <p:nvSpPr>
+          <p:cNvPr id="4" name="Content Placeholder 3">
+            <a:extLst>
+              <a:ext uri="{FF2B5EF4-FFF2-40B4-BE49-F238E27FC236}">
+                <a16:creationId xmlns:a16="http://schemas.microsoft.com/office/drawing/2014/main" id="{9FEB0FA6-700C-BA41-BAB8-C291914474AF}"/>
+              </a:ext>
+            </a:extLst>
+          </p:cNvPr>
+          <p:cNvSpPr>
+            <a:spLocks noGrp="1"/>
+          </p:cNvSpPr>
+          <p:nvPr>
+            <p:ph idx="1"/>
+          </p:nvPr>
+        </p:nvSpPr>
+        <p:spPr>
+          <a:xfrm>
+            <a:off x="1524000" y="1569365"/>
+            <a:ext cx="7010400" cy="1405411"/>
+          </a:xfrm>
+        </p:spPr>
+        <p:txBody>
+          <a:bodyPr>
+            <a:normAutofit fontScale="77500" lnSpcReduction="20000"/>
+          </a:bodyPr>
+          <a:lstStyle/>
+          <a:p>
+            <a:r>
+              <a:rPr lang="en-US" dirty="0"/>
+              <a:t>We already looked at object composition as a way of modeling compound objects.</a:t>
+            </a:r>
+          </a:p>
+          <a:p>
+            <a:r>
+              <a:rPr lang="en-US" dirty="0"/>
+              <a:t>Note: in Asteroid we can have nested objects but </a:t>
+            </a:r>
+            <a:r>
+              <a:rPr lang="en-US" b="1" dirty="0"/>
+              <a:t>not nested structures</a:t>
+            </a:r>
+            <a:r>
+              <a:rPr lang="en-US" dirty="0"/>
+              <a:t>.</a:t>
+            </a:r>
+          </a:p>
+          <a:p>
+            <a:endParaRPr lang="en-US" dirty="0"/>
+          </a:p>
+        </p:txBody>
+      </p:sp>
+      <p:grpSp>
+        <p:nvGrpSpPr>
+          <p:cNvPr id="8" name="Group 7">
+            <a:extLst>
+              <a:ext uri="{FF2B5EF4-FFF2-40B4-BE49-F238E27FC236}">
+                <a16:creationId xmlns:a16="http://schemas.microsoft.com/office/drawing/2014/main" id="{E2B6F2BD-689A-BB43-B65B-93DC0F33C755}"/>
+              </a:ext>
+            </a:extLst>
+          </p:cNvPr>
+          <p:cNvGrpSpPr/>
+          <p:nvPr/>
+        </p:nvGrpSpPr>
+        <p:grpSpPr>
+          <a:xfrm>
+            <a:off x="1676400" y="3190411"/>
+            <a:ext cx="5448300" cy="3591389"/>
+            <a:chOff x="1676400" y="3114211"/>
+            <a:chExt cx="5448300" cy="3591389"/>
+          </a:xfrm>
+        </p:grpSpPr>
+        <p:pic>
+          <p:nvPicPr>
+            <p:cNvPr id="2" name="Picture 1">
+              <a:extLst>
+                <a:ext uri="{FF2B5EF4-FFF2-40B4-BE49-F238E27FC236}">
+                  <a16:creationId xmlns:a16="http://schemas.microsoft.com/office/drawing/2014/main" id="{4C498760-0EC6-F34E-B96D-7583AAF419EC}"/>
+                </a:ext>
+              </a:extLst>
+            </p:cNvPr>
+            <p:cNvPicPr>
+              <a:picLocks noChangeAspect="1"/>
+            </p:cNvPicPr>
+            <p:nvPr/>
+          </p:nvPicPr>
+          <p:blipFill>
+            <a:blip r:embed="rId2"/>
+            <a:stretch>
+              <a:fillRect/>
+            </a:stretch>
+          </p:blipFill>
+          <p:spPr>
+            <a:xfrm>
+              <a:off x="1676400" y="3114211"/>
+              <a:ext cx="5448300" cy="3591389"/>
+            </a:xfrm>
+            <a:prstGeom prst="rect">
+              <a:avLst/>
+            </a:prstGeom>
+            <a:ln>
+              <a:solidFill>
+                <a:schemeClr val="tx1"/>
+              </a:solidFill>
+            </a:ln>
+          </p:spPr>
+        </p:pic>
+        <p:sp>
+          <p:nvSpPr>
+            <p:cNvPr id="6" name="Left Arrow 5">
+              <a:extLst>
+                <a:ext uri="{FF2B5EF4-FFF2-40B4-BE49-F238E27FC236}">
+                  <a16:creationId xmlns:a16="http://schemas.microsoft.com/office/drawing/2014/main" id="{674E374C-A886-6845-ADF5-A674D1772772}"/>
+                </a:ext>
+              </a:extLst>
+            </p:cNvPr>
+            <p:cNvSpPr/>
+            <p:nvPr/>
+          </p:nvSpPr>
+          <p:spPr bwMode="auto">
+            <a:xfrm>
+              <a:off x="3124200" y="4953000"/>
+              <a:ext cx="304800" cy="152400"/>
+            </a:xfrm>
+            <a:prstGeom prst="leftArrow">
+              <a:avLst/>
+            </a:prstGeom>
+            <a:solidFill>
+              <a:srgbClr val="FF0000"/>
+            </a:solidFill>
+            <a:ln w="9525" cap="flat" cmpd="sng" algn="ctr">
+              <a:solidFill>
+                <a:schemeClr val="tx1"/>
+              </a:solidFill>
+              <a:prstDash val="solid"/>
+              <a:round/>
+              <a:headEnd type="none" w="med" len="med"/>
+              <a:tailEnd type="none" w="med" len="med"/>
+            </a:ln>
+            <a:effectLst/>
+            <a:extLst>
+              <a:ext uri="{AF507438-7753-43e0-B8FC-AC1667EBCBE1}">
+                <a14:hiddenEffects xmlns="" xmlns:a14="http://schemas.microsoft.com/office/drawing/2010/main">
+                  <a:effectLst>
+                    <a:outerShdw blurRad="63500" dist="38099" dir="2700000" algn="ctr" rotWithShape="0">
+                      <a:schemeClr val="bg2">
+                        <a:alpha val="74998"/>
+                      </a:schemeClr>
+                    </a:outerShdw>
+                  </a:effectLst>
+                </a14:hiddenEffects>
+              </a:ext>
+            </a:extLst>
+          </p:spPr>
+          <p:txBody>
+            <a:bodyPr vert="horz" wrap="square" lIns="91440" tIns="45720" rIns="91440" bIns="45720" numCol="1" rtlCol="0" anchor="t" anchorCtr="0" compatLnSpc="1">
+              <a:prstTxWarp prst="textNoShape">
+                <a:avLst/>
+              </a:prstTxWarp>
+            </a:bodyPr>
+            <a:lstStyle/>
+            <a:p>
+              <a:pPr marL="0" marR="0" indent="0" algn="l" defTabSz="914400" rtl="0" eaLnBrk="0" fontAlgn="base" latinLnBrk="0" hangingPunct="0">
+                <a:lnSpc>
+                  <a:spcPct val="100000"/>
+                </a:lnSpc>
+                <a:spcBef>
+                  <a:spcPct val="0"/>
+                </a:spcBef>
+                <a:spcAft>
+                  <a:spcPct val="0"/>
+                </a:spcAft>
+                <a:buClrTx/>
+                <a:buSzTx/>
+                <a:buFontTx/>
+                <a:buNone/>
+                <a:tabLst/>
+              </a:pPr>
+              <a:endParaRPr kumimoji="0" lang="en-US" sz="1600" b="0" i="0" u="none" strike="noStrike" cap="none" normalizeH="0" baseline="0">
+                <a:ln>
+                  <a:noFill/>
+                </a:ln>
+                <a:solidFill>
+                  <a:srgbClr val="000000"/>
+                </a:solidFill>
+                <a:effectLst/>
+                <a:latin typeface="Arial" charset="0"/>
+                <a:ea typeface="ＭＳ Ｐゴシック" charset="0"/>
+              </a:endParaRPr>
+            </a:p>
+          </p:txBody>
+        </p:sp>
+        <p:sp>
+          <p:nvSpPr>
+            <p:cNvPr id="9" name="Left Arrow 8">
+              <a:extLst>
+                <a:ext uri="{FF2B5EF4-FFF2-40B4-BE49-F238E27FC236}">
+                  <a16:creationId xmlns:a16="http://schemas.microsoft.com/office/drawing/2014/main" id="{C5C51171-7979-B547-9168-71169C34BF4F}"/>
+                </a:ext>
+              </a:extLst>
+            </p:cNvPr>
+            <p:cNvSpPr/>
+            <p:nvPr/>
+          </p:nvSpPr>
+          <p:spPr bwMode="auto">
+            <a:xfrm>
+              <a:off x="5181600" y="5715000"/>
+              <a:ext cx="304800" cy="152400"/>
+            </a:xfrm>
+            <a:prstGeom prst="leftArrow">
+              <a:avLst/>
+            </a:prstGeom>
+            <a:solidFill>
+              <a:srgbClr val="FF0000"/>
+            </a:solidFill>
+            <a:ln w="9525" cap="flat" cmpd="sng" algn="ctr">
+              <a:solidFill>
+                <a:schemeClr val="tx1"/>
+              </a:solidFill>
+              <a:prstDash val="solid"/>
+              <a:round/>
+              <a:headEnd type="none" w="med" len="med"/>
+              <a:tailEnd type="none" w="med" len="med"/>
+            </a:ln>
+            <a:effectLst/>
+            <a:extLst>
+              <a:ext uri="{AF507438-7753-43e0-B8FC-AC1667EBCBE1}">
+                <a14:hiddenEffects xmlns="" xmlns:a14="http://schemas.microsoft.com/office/drawing/2010/main">
+                  <a:effectLst>
+                    <a:outerShdw blurRad="63500" dist="38099" dir="2700000" algn="ctr" rotWithShape="0">
+                      <a:schemeClr val="bg2">
+                        <a:alpha val="74998"/>
+                      </a:schemeClr>
+                    </a:outerShdw>
+                  </a:effectLst>
+                </a14:hiddenEffects>
+              </a:ext>
+            </a:extLst>
+          </p:spPr>
+          <p:txBody>
+            <a:bodyPr vert="horz" wrap="square" lIns="91440" tIns="45720" rIns="91440" bIns="45720" numCol="1" rtlCol="0" anchor="t" anchorCtr="0" compatLnSpc="1">
+              <a:prstTxWarp prst="textNoShape">
+                <a:avLst/>
+              </a:prstTxWarp>
+            </a:bodyPr>
+            <a:lstStyle/>
+            <a:p>
+              <a:pPr marL="0" marR="0" indent="0" algn="l" defTabSz="914400" rtl="0" eaLnBrk="0" fontAlgn="base" latinLnBrk="0" hangingPunct="0">
+                <a:lnSpc>
+                  <a:spcPct val="100000"/>
+                </a:lnSpc>
+                <a:spcBef>
+                  <a:spcPct val="0"/>
+                </a:spcBef>
+                <a:spcAft>
+                  <a:spcPct val="0"/>
+                </a:spcAft>
+                <a:buClrTx/>
+                <a:buSzTx/>
+                <a:buFontTx/>
+                <a:buNone/>
+                <a:tabLst/>
+              </a:pPr>
+              <a:endParaRPr kumimoji="0" lang="en-US" sz="1600" b="0" i="0" u="none" strike="noStrike" cap="none" normalizeH="0" baseline="0">
+                <a:ln>
+                  <a:noFill/>
+                </a:ln>
+                <a:solidFill>
+                  <a:srgbClr val="000000"/>
+                </a:solidFill>
+                <a:effectLst/>
+                <a:latin typeface="Arial" charset="0"/>
+                <a:ea typeface="ＭＳ Ｐゴシック" charset="0"/>
+              </a:endParaRPr>
+            </a:p>
+          </p:txBody>
+        </p:sp>
+      </p:grpSp>
+      <p:sp>
+        <p:nvSpPr>
+          <p:cNvPr id="12" name="Left Arrow 11">
+            <a:extLst>
+              <a:ext uri="{FF2B5EF4-FFF2-40B4-BE49-F238E27FC236}">
+                <a16:creationId xmlns:a16="http://schemas.microsoft.com/office/drawing/2014/main" id="{449C0E27-3ED3-A444-9792-4397C8A8C903}"/>
+              </a:ext>
+            </a:extLst>
+          </p:cNvPr>
+          <p:cNvSpPr/>
+          <p:nvPr/>
+        </p:nvSpPr>
+        <p:spPr bwMode="auto">
+          <a:xfrm rot="17785216">
+            <a:off x="3810000" y="6260669"/>
+            <a:ext cx="304800" cy="152400"/>
+          </a:xfrm>
+          <a:prstGeom prst="leftArrow">
+            <a:avLst/>
+          </a:prstGeom>
+          <a:solidFill>
+            <a:srgbClr val="FF0000"/>
+          </a:solidFill>
+          <a:ln w="9525" cap="flat" cmpd="sng" algn="ctr">
+            <a:solidFill>
+              <a:schemeClr val="tx1"/>
+            </a:solidFill>
+            <a:prstDash val="solid"/>
+            <a:round/>
+            <a:headEnd type="none" w="med" len="med"/>
+            <a:tailEnd type="none" w="med" len="med"/>
+          </a:ln>
+          <a:effectLst/>
+          <a:extLst>
+            <a:ext uri="{AF507438-7753-43e0-B8FC-AC1667EBCBE1}">
+              <a14:hiddenEffects xmlns="" xmlns:a14="http://schemas.microsoft.com/office/drawing/2010/main">
+                <a:effectLst>
+                  <a:outerShdw blurRad="63500" dist="38099" dir="2700000" algn="ctr" rotWithShape="0">
+                    <a:schemeClr val="bg2">
+                      <a:alpha val="74998"/>
+                    </a:schemeClr>
+                  </a:outerShdw>
+                </a:effectLst>
+              </a14:hiddenEffects>
+            </a:ext>
+          </a:extLst>
+        </p:spPr>
+        <p:txBody>
+          <a:bodyPr vert="horz" wrap="square" lIns="91440" tIns="45720" rIns="91440" bIns="45720" numCol="1" rtlCol="0" anchor="t" anchorCtr="0" compatLnSpc="1">
+            <a:prstTxWarp prst="textNoShape">
+              <a:avLst/>
+            </a:prstTxWarp>
+          </a:bodyPr>
+          <a:lstStyle/>
+          <a:p>
+            <a:pPr marL="0" marR="0" indent="0" algn="l" defTabSz="914400" rtl="0" eaLnBrk="0" fontAlgn="base" latinLnBrk="0" hangingPunct="0">
+              <a:lnSpc>
+                <a:spcPct val="100000"/>
+              </a:lnSpc>
+              <a:spcBef>
+                <a:spcPct val="0"/>
+              </a:spcBef>
+              <a:spcAft>
+                <a:spcPct val="0"/>
+              </a:spcAft>
+              <a:buClrTx/>
+              <a:buSzTx/>
+              <a:buFontTx/>
+              <a:buNone/>
+              <a:tabLst/>
+            </a:pPr>
+            <a:endParaRPr kumimoji="0" lang="en-US" sz="1600" b="0" i="0" u="none" strike="noStrike" cap="none" normalizeH="0" baseline="0">
+              <a:ln>
+                <a:noFill/>
+              </a:ln>
+              <a:solidFill>
+                <a:srgbClr val="000000"/>
+              </a:solidFill>
+              <a:effectLst/>
+              <a:latin typeface="Arial" charset="0"/>
+              <a:ea typeface="ＭＳ Ｐゴシック" charset="0"/>
+            </a:endParaRPr>
+          </a:p>
+        </p:txBody>
+      </p:sp>
+      <p:sp>
+        <p:nvSpPr>
+          <p:cNvPr id="14" name="TextBox 13">
+            <a:extLst>
+              <a:ext uri="{FF2B5EF4-FFF2-40B4-BE49-F238E27FC236}">
+                <a16:creationId xmlns:a16="http://schemas.microsoft.com/office/drawing/2014/main" id="{F3F4C724-0E6C-254C-A9A5-1E914FBF4045}"/>
+              </a:ext>
+            </a:extLst>
+          </p:cNvPr>
+          <p:cNvSpPr txBox="1"/>
+          <p:nvPr/>
+        </p:nvSpPr>
+        <p:spPr>
+          <a:xfrm>
+            <a:off x="7239000" y="3275111"/>
+            <a:ext cx="1636987" cy="307777"/>
+          </a:xfrm>
+          <a:prstGeom prst="rect">
+            <a:avLst/>
+          </a:prstGeom>
+          <a:noFill/>
+        </p:spPr>
+        <p:txBody>
+          <a:bodyPr wrap="none" rtlCol="0">
+            <a:spAutoFit/>
+          </a:bodyPr>
+          <a:lstStyle/>
+          <a:p>
+            <a:r>
+              <a:rPr lang="en-US" sz="1400" dirty="0"/>
+              <a:t>ln008/</a:t>
+            </a:r>
+            <a:r>
+              <a:rPr lang="en-US" sz="1400" dirty="0" err="1"/>
+              <a:t>objcomp.ast</a:t>
+            </a:r>
+            <a:endParaRPr lang="en-US" sz="1400" dirty="0"/>
+          </a:p>
+        </p:txBody>
+      </p:sp>
+    </p:spTree>
+    <p:extLst>
+      <p:ext uri="{BB962C8B-B14F-4D97-AF65-F5344CB8AC3E}">
+        <p14:creationId xmlns:p14="http://schemas.microsoft.com/office/powerpoint/2010/main" val="2566925905"/>
+      </p:ext>
+    </p:extLst>
+  </p:cSld>
+  <p:clrMapOvr>
+    <a:masterClrMapping/>
+  </p:clrMapOvr>
+</p:sld>
+</file>
+
+<file path=ppt/slides/slide8.xml><?xml version="1.0" encoding="utf-8"?>
+<p:sld xmlns:a="http://schemas.openxmlformats.org/drawingml/2006/main" xmlns:r="http://schemas.openxmlformats.org/officeDocument/2006/relationships" xmlns:p="http://schemas.openxmlformats.org/presentationml/2006/main">
+  <p:cSld>
+    <p:spTree>
+      <p:nvGrpSpPr>
+        <p:cNvPr id="1" name=""/>
+        <p:cNvGrpSpPr/>
+        <p:nvPr/>
+      </p:nvGrpSpPr>
+      <p:grpSpPr>
+        <a:xfrm>
+          <a:off x="0" y="0"/>
+          <a:ext cx="0" cy="0"/>
+          <a:chOff x="0" y="0"/>
+          <a:chExt cx="0" cy="0"/>
+        </a:xfrm>
+      </p:grpSpPr>
+      <p:sp>
+        <p:nvSpPr>
+          <p:cNvPr id="2" name="Title 1">
+            <a:extLst>
+              <a:ext uri="{FF2B5EF4-FFF2-40B4-BE49-F238E27FC236}">
+                <a16:creationId xmlns:a16="http://schemas.microsoft.com/office/drawing/2014/main" id="{DAB247C1-1543-0141-9D91-A337305C6FB3}"/>
+              </a:ext>
+            </a:extLst>
+          </p:cNvPr>
+          <p:cNvSpPr>
+            <a:spLocks noGrp="1"/>
+          </p:cNvSpPr>
+          <p:nvPr>
+            <p:ph type="title"/>
+          </p:nvPr>
+        </p:nvSpPr>
+        <p:spPr/>
+        <p:txBody>
+          <a:bodyPr/>
+          <a:lstStyle/>
+          <a:p>
+            <a:r>
+              <a:rPr lang="en-US" dirty="0"/>
+              <a:t>Duck Typing</a:t>
+            </a:r>
+          </a:p>
+        </p:txBody>
+      </p:sp>
+      <p:sp>
+        <p:nvSpPr>
+          <p:cNvPr id="3" name="Content Placeholder 2">
+            <a:extLst>
+              <a:ext uri="{FF2B5EF4-FFF2-40B4-BE49-F238E27FC236}">
+                <a16:creationId xmlns:a16="http://schemas.microsoft.com/office/drawing/2014/main" id="{89A49150-CF97-C141-A734-37F7501AA5FF}"/>
+              </a:ext>
+            </a:extLst>
+          </p:cNvPr>
+          <p:cNvSpPr>
+            <a:spLocks noGrp="1"/>
+          </p:cNvSpPr>
+          <p:nvPr>
+            <p:ph idx="1"/>
+          </p:nvPr>
+        </p:nvSpPr>
+        <p:spPr>
+          <a:xfrm>
+            <a:off x="4953000" y="1905000"/>
+            <a:ext cx="3581400" cy="3235326"/>
+          </a:xfrm>
+        </p:spPr>
+        <p:txBody>
+          <a:bodyPr>
+            <a:normAutofit fontScale="77500" lnSpcReduction="20000"/>
+          </a:bodyPr>
+          <a:lstStyle/>
+          <a:p>
+            <a:r>
+              <a:rPr lang="en-US" dirty="0"/>
+              <a:t>As long as object have common interfaces they act as polymorphic structures – </a:t>
+            </a:r>
+            <a:r>
+              <a:rPr lang="en-US" b="1" dirty="0"/>
+              <a:t>duck typing</a:t>
+            </a:r>
+          </a:p>
+          <a:p>
+            <a:r>
+              <a:rPr lang="en-US" dirty="0"/>
+              <a:t>The do </a:t>
+            </a:r>
+            <a:r>
+              <a:rPr lang="en-US" b="1" dirty="0"/>
+              <a:t>not</a:t>
+            </a:r>
+            <a:r>
+              <a:rPr lang="en-US" dirty="0"/>
+              <a:t> need be related via a </a:t>
+            </a:r>
+            <a:r>
+              <a:rPr lang="en-US" b="1" dirty="0"/>
+              <a:t>common supertype</a:t>
+            </a:r>
+            <a:r>
+              <a:rPr lang="en-US" dirty="0"/>
+              <a:t>.</a:t>
+            </a:r>
+          </a:p>
+        </p:txBody>
+      </p:sp>
+      <p:pic>
+        <p:nvPicPr>
+          <p:cNvPr id="4" name="Picture 3">
+            <a:extLst>
+              <a:ext uri="{FF2B5EF4-FFF2-40B4-BE49-F238E27FC236}">
+                <a16:creationId xmlns:a16="http://schemas.microsoft.com/office/drawing/2014/main" id="{131DD244-8758-5F40-8F39-52386E7D4D0E}"/>
+              </a:ext>
+            </a:extLst>
+          </p:cNvPr>
+          <p:cNvPicPr>
+            <a:picLocks noChangeAspect="1"/>
+          </p:cNvPicPr>
+          <p:nvPr/>
+        </p:nvPicPr>
+        <p:blipFill>
+          <a:blip r:embed="rId2"/>
+          <a:stretch>
+            <a:fillRect/>
+          </a:stretch>
+        </p:blipFill>
+        <p:spPr>
+          <a:xfrm>
+            <a:off x="339892" y="1746983"/>
+            <a:ext cx="4232108" cy="4800600"/>
+          </a:xfrm>
+          <a:prstGeom prst="rect">
+            <a:avLst/>
+          </a:prstGeom>
+          <a:ln>
+            <a:solidFill>
+              <a:schemeClr val="tx1"/>
+            </a:solidFill>
+          </a:ln>
+        </p:spPr>
+      </p:pic>
+      <p:sp>
+        <p:nvSpPr>
+          <p:cNvPr id="5" name="TextBox 4">
+            <a:extLst>
+              <a:ext uri="{FF2B5EF4-FFF2-40B4-BE49-F238E27FC236}">
+                <a16:creationId xmlns:a16="http://schemas.microsoft.com/office/drawing/2014/main" id="{AEAE74D7-C26C-274A-8444-5CA196987A08}"/>
+              </a:ext>
+            </a:extLst>
+          </p:cNvPr>
+          <p:cNvSpPr txBox="1"/>
+          <p:nvPr/>
+        </p:nvSpPr>
+        <p:spPr>
+          <a:xfrm>
+            <a:off x="4982308" y="6201508"/>
+            <a:ext cx="1564339" cy="307777"/>
+          </a:xfrm>
+          <a:prstGeom prst="rect">
+            <a:avLst/>
+          </a:prstGeom>
+          <a:noFill/>
+        </p:spPr>
+        <p:txBody>
+          <a:bodyPr wrap="none" rtlCol="0">
+            <a:spAutoFit/>
+          </a:bodyPr>
+          <a:lstStyle/>
+          <a:p>
+            <a:r>
+              <a:rPr lang="en-US" sz="1400" dirty="0"/>
+              <a:t>ln009/</a:t>
+            </a:r>
+            <a:r>
+              <a:rPr lang="en-US" sz="1400" dirty="0" err="1"/>
+              <a:t>subpoly.ast</a:t>
+            </a:r>
+            <a:endParaRPr lang="en-US" sz="1400" dirty="0"/>
+          </a:p>
+        </p:txBody>
+      </p:sp>
+      <p:sp>
+        <p:nvSpPr>
+          <p:cNvPr id="6" name="Left Arrow 5">
+            <a:extLst>
+              <a:ext uri="{FF2B5EF4-FFF2-40B4-BE49-F238E27FC236}">
+                <a16:creationId xmlns:a16="http://schemas.microsoft.com/office/drawing/2014/main" id="{8BC838F8-0BF6-E441-8725-6E5C9D7D3E56}"/>
+              </a:ext>
+            </a:extLst>
+          </p:cNvPr>
+          <p:cNvSpPr/>
+          <p:nvPr/>
+        </p:nvSpPr>
+        <p:spPr bwMode="auto">
+          <a:xfrm>
+            <a:off x="1828800" y="6096000"/>
+            <a:ext cx="457200" cy="199292"/>
+          </a:xfrm>
+          <a:prstGeom prst="leftArrow">
+            <a:avLst/>
+          </a:prstGeom>
+          <a:solidFill>
+            <a:srgbClr val="FF0000"/>
+          </a:solidFill>
+          <a:ln w="9525" cap="flat" cmpd="sng" algn="ctr">
+            <a:solidFill>
+              <a:schemeClr val="tx1"/>
+            </a:solidFill>
+            <a:prstDash val="solid"/>
+            <a:round/>
+            <a:headEnd type="none" w="med" len="med"/>
+            <a:tailEnd type="none" w="med" len="med"/>
+          </a:ln>
+          <a:effectLst/>
+          <a:extLst>
+            <a:ext uri="{AF507438-7753-43e0-B8FC-AC1667EBCBE1}">
+              <a14:hiddenEffects xmlns:a14="http://schemas.microsoft.com/office/drawing/2010/main" xmlns="">
+                <a:effectLst>
+                  <a:outerShdw blurRad="63500" dist="38099" dir="2700000" algn="ctr" rotWithShape="0">
+                    <a:schemeClr val="bg2">
+                      <a:alpha val="74998"/>
+                    </a:schemeClr>
+                  </a:outerShdw>
+                </a:effectLst>
+              </a14:hiddenEffects>
+            </a:ext>
+          </a:extLst>
+        </p:spPr>
+        <p:txBody>
+          <a:bodyPr vert="horz" wrap="square" lIns="91440" tIns="45720" rIns="91440" bIns="45720" numCol="1" rtlCol="0" anchor="t" anchorCtr="0" compatLnSpc="1">
+            <a:prstTxWarp prst="textNoShape">
+              <a:avLst/>
+            </a:prstTxWarp>
+          </a:bodyPr>
+          <a:lstStyle/>
+          <a:p>
+            <a:pPr marL="0" marR="0" indent="0" algn="l" defTabSz="914400" rtl="0" eaLnBrk="0" fontAlgn="base" latinLnBrk="0" hangingPunct="0">
+              <a:lnSpc>
+                <a:spcPct val="100000"/>
+              </a:lnSpc>
+              <a:spcBef>
+                <a:spcPct val="0"/>
+              </a:spcBef>
+              <a:spcAft>
+                <a:spcPct val="0"/>
+              </a:spcAft>
+              <a:buClrTx/>
+              <a:buSzTx/>
+              <a:buFontTx/>
+              <a:buNone/>
+              <a:tabLst/>
+            </a:pPr>
+            <a:endParaRPr kumimoji="0" lang="en-US" sz="1600" b="0" i="0" u="none" strike="noStrike" cap="none" normalizeH="0" baseline="0">
+              <a:ln>
+                <a:noFill/>
+              </a:ln>
+              <a:solidFill>
+                <a:srgbClr val="000000"/>
+              </a:solidFill>
+              <a:effectLst/>
+              <a:latin typeface="Arial" charset="0"/>
+              <a:ea typeface="ＭＳ Ｐゴシック" charset="0"/>
+            </a:endParaRPr>
+          </a:p>
+        </p:txBody>
+      </p:sp>
+    </p:spTree>
+    <p:extLst>
+      <p:ext uri="{BB962C8B-B14F-4D97-AF65-F5344CB8AC3E}">
+        <p14:creationId xmlns:p14="http://schemas.microsoft.com/office/powerpoint/2010/main" val="3685921369"/>
+      </p:ext>
+    </p:extLst>
+  </p:cSld>
+  <p:clrMapOvr>
+    <a:masterClrMapping/>
+  </p:clrMapOvr>
+</p:sld>
+</file>
+
+<file path=ppt/slides/slide9.xml><?xml version="1.0" encoding="utf-8"?>
+<p:sld xmlns:a="http://schemas.openxmlformats.org/drawingml/2006/main" xmlns:r="http://schemas.openxmlformats.org/officeDocument/2006/relationships" xmlns:p="http://schemas.openxmlformats.org/presentationml/2006/main">
+  <p:cSld>
+    <p:spTree>
+      <p:nvGrpSpPr>
+        <p:cNvPr id="1" name=""/>
+        <p:cNvGrpSpPr/>
+        <p:nvPr/>
+      </p:nvGrpSpPr>
+      <p:grpSpPr>
+        <a:xfrm>
+          <a:off x="0" y="0"/>
+          <a:ext cx="0" cy="0"/>
+          <a:chOff x="0" y="0"/>
+          <a:chExt cx="0" cy="0"/>
+        </a:xfrm>
+      </p:grpSpPr>
+      <p:sp>
+        <p:nvSpPr>
+          <p:cNvPr id="2" name="Title 1">
+            <a:extLst>
+              <a:ext uri="{FF2B5EF4-FFF2-40B4-BE49-F238E27FC236}">
+                <a16:creationId xmlns:a16="http://schemas.microsoft.com/office/drawing/2014/main" id="{25F0FFCD-B275-6C4C-B3FD-C6BB1C166B63}"/>
+              </a:ext>
+            </a:extLst>
+          </p:cNvPr>
+          <p:cNvSpPr>
+            <a:spLocks noGrp="1"/>
+          </p:cNvSpPr>
+          <p:nvPr>
+            <p:ph type="title"/>
+          </p:nvPr>
+        </p:nvSpPr>
+        <p:spPr/>
+        <p:txBody>
+          <a:bodyPr/>
+          <a:lstStyle/>
+          <a:p>
+            <a:r>
+              <a:rPr lang="en-US" dirty="0"/>
+              <a:t>String &amp; List Objects</a:t>
+            </a:r>
+          </a:p>
+        </p:txBody>
+      </p:sp>
+      <p:sp>
+        <p:nvSpPr>
+          <p:cNvPr id="3" name="Content Placeholder 2">
+            <a:extLst>
+              <a:ext uri="{FF2B5EF4-FFF2-40B4-BE49-F238E27FC236}">
+                <a16:creationId xmlns:a16="http://schemas.microsoft.com/office/drawing/2014/main" id="{B267471F-D269-B740-9FE3-32C57986273C}"/>
+              </a:ext>
+            </a:extLst>
+          </p:cNvPr>
+          <p:cNvSpPr>
+            <a:spLocks noGrp="1"/>
+          </p:cNvSpPr>
+          <p:nvPr>
+            <p:ph idx="1"/>
+          </p:nvPr>
+        </p:nvSpPr>
+        <p:spPr>
+          <a:xfrm>
+            <a:off x="1524000" y="1905000"/>
+            <a:ext cx="7010400" cy="1524000"/>
+          </a:xfrm>
+        </p:spPr>
+        <p:txBody>
+          <a:bodyPr/>
+          <a:lstStyle/>
+          <a:p>
+            <a:r>
+              <a:rPr lang="en-US" dirty="0"/>
+              <a:t>In Asteroid, similar to Python, strings and lists are considered objects and have member functions.</a:t>
+            </a:r>
+          </a:p>
+        </p:txBody>
+      </p:sp>
+      <p:pic>
+        <p:nvPicPr>
+          <p:cNvPr id="4" name="Picture 3">
+            <a:extLst>
+              <a:ext uri="{FF2B5EF4-FFF2-40B4-BE49-F238E27FC236}">
+                <a16:creationId xmlns:a16="http://schemas.microsoft.com/office/drawing/2014/main" id="{40A06BD3-0A0A-2B41-AD4A-18527AB60F51}"/>
+              </a:ext>
+            </a:extLst>
+          </p:cNvPr>
+          <p:cNvPicPr>
+            <a:picLocks noChangeAspect="1"/>
+          </p:cNvPicPr>
+          <p:nvPr/>
+        </p:nvPicPr>
+        <p:blipFill>
+          <a:blip r:embed="rId2"/>
+          <a:stretch>
+            <a:fillRect/>
+          </a:stretch>
+        </p:blipFill>
+        <p:spPr>
+          <a:xfrm>
+            <a:off x="1905000" y="3962400"/>
+            <a:ext cx="4508500" cy="1727200"/>
+          </a:xfrm>
+          <a:prstGeom prst="rect">
+            <a:avLst/>
+          </a:prstGeom>
+          <a:ln>
+            <a:solidFill>
+              <a:schemeClr val="tx1"/>
+            </a:solidFill>
+          </a:ln>
+        </p:spPr>
+      </p:pic>
+      <p:sp>
+        <p:nvSpPr>
+          <p:cNvPr id="5" name="TextBox 4">
+            <a:extLst>
+              <a:ext uri="{FF2B5EF4-FFF2-40B4-BE49-F238E27FC236}">
+                <a16:creationId xmlns:a16="http://schemas.microsoft.com/office/drawing/2014/main" id="{D290CECC-F56D-0543-88C3-A4C108B186EF}"/>
+              </a:ext>
+            </a:extLst>
+          </p:cNvPr>
+          <p:cNvSpPr txBox="1"/>
+          <p:nvPr/>
+        </p:nvSpPr>
+        <p:spPr>
+          <a:xfrm>
+            <a:off x="3411415" y="6060831"/>
+            <a:ext cx="1736373" cy="307777"/>
+          </a:xfrm>
+          <a:prstGeom prst="rect">
+            <a:avLst/>
+          </a:prstGeom>
+          <a:noFill/>
+        </p:spPr>
+        <p:txBody>
+          <a:bodyPr wrap="none" rtlCol="0">
+            <a:spAutoFit/>
+          </a:bodyPr>
+          <a:lstStyle/>
+          <a:p>
+            <a:r>
+              <a:rPr lang="en-US" sz="1400" dirty="0"/>
+              <a:t>ln009/</a:t>
+            </a:r>
+            <a:r>
+              <a:rPr lang="en-US" sz="1400" dirty="0" err="1"/>
+              <a:t>objnstring.ast</a:t>
+            </a:r>
+            <a:endParaRPr lang="en-US" sz="1400" dirty="0"/>
+          </a:p>
+        </p:txBody>
+      </p:sp>
+      <p:sp>
+        <p:nvSpPr>
+          <p:cNvPr id="6" name="Down Arrow 5">
+            <a:extLst>
+              <a:ext uri="{FF2B5EF4-FFF2-40B4-BE49-F238E27FC236}">
+                <a16:creationId xmlns:a16="http://schemas.microsoft.com/office/drawing/2014/main" id="{EE4AD5E0-9B40-BC48-8A8E-F6EF6F5C91C2}"/>
+              </a:ext>
+            </a:extLst>
+          </p:cNvPr>
+          <p:cNvSpPr/>
+          <p:nvPr/>
+        </p:nvSpPr>
+        <p:spPr bwMode="auto">
+          <a:xfrm rot="895415">
+            <a:off x="3602583" y="3733800"/>
+            <a:ext cx="228600" cy="457200"/>
+          </a:xfrm>
+          <a:prstGeom prst="downArrow">
+            <a:avLst/>
+          </a:prstGeom>
+          <a:solidFill>
+            <a:srgbClr val="FF0000"/>
+          </a:solidFill>
+          <a:ln w="9525" cap="flat" cmpd="sng" algn="ctr">
+            <a:solidFill>
+              <a:schemeClr val="tx1"/>
+            </a:solidFill>
+            <a:prstDash val="solid"/>
+            <a:round/>
+            <a:headEnd type="none" w="med" len="med"/>
+            <a:tailEnd type="none" w="med" len="med"/>
+          </a:ln>
+          <a:effectLst/>
+          <a:extLst>
+            <a:ext uri="{AF507438-7753-43e0-B8FC-AC1667EBCBE1}">
+              <a14:hiddenEffects xmlns:a14="http://schemas.microsoft.com/office/drawing/2010/main" xmlns="">
+                <a:effectLst>
+                  <a:outerShdw blurRad="63500" dist="38099" dir="2700000" algn="ctr" rotWithShape="0">
+                    <a:schemeClr val="bg2">
+                      <a:alpha val="74998"/>
+                    </a:schemeClr>
+                  </a:outerShdw>
+                </a:effectLst>
+              </a14:hiddenEffects>
+            </a:ext>
+          </a:extLst>
+        </p:spPr>
+        <p:txBody>
+          <a:bodyPr vert="horz" wrap="square" lIns="91440" tIns="45720" rIns="91440" bIns="45720" numCol="1" rtlCol="0" anchor="t" anchorCtr="0" compatLnSpc="1">
+            <a:prstTxWarp prst="textNoShape">
+              <a:avLst/>
+            </a:prstTxWarp>
+          </a:bodyPr>
+          <a:lstStyle/>
+          <a:p>
+            <a:pPr marL="0" marR="0" indent="0" algn="l" defTabSz="914400" rtl="0" eaLnBrk="0" fontAlgn="base" latinLnBrk="0" hangingPunct="0">
+              <a:lnSpc>
+                <a:spcPct val="100000"/>
+              </a:lnSpc>
+              <a:spcBef>
+                <a:spcPct val="0"/>
+              </a:spcBef>
+              <a:spcAft>
+                <a:spcPct val="0"/>
+              </a:spcAft>
+              <a:buClrTx/>
+              <a:buSzTx/>
+              <a:buFontTx/>
+              <a:buNone/>
+              <a:tabLst/>
+            </a:pPr>
+            <a:endParaRPr kumimoji="0" lang="en-US" sz="1600" b="0" i="0" u="none" strike="noStrike" cap="none" normalizeH="0" baseline="0">
+              <a:ln>
+                <a:noFill/>
+              </a:ln>
+              <a:solidFill>
+                <a:srgbClr val="000000"/>
+              </a:solidFill>
+              <a:effectLst/>
+              <a:latin typeface="Arial" charset="0"/>
+              <a:ea typeface="ＭＳ Ｐゴシック" charset="0"/>
+            </a:endParaRPr>
+          </a:p>
+        </p:txBody>
+      </p:sp>
+      <p:sp>
+        <p:nvSpPr>
+          <p:cNvPr id="7" name="Down Arrow 6">
+            <a:extLst>
+              <a:ext uri="{FF2B5EF4-FFF2-40B4-BE49-F238E27FC236}">
+                <a16:creationId xmlns:a16="http://schemas.microsoft.com/office/drawing/2014/main" id="{A659715C-78FF-304A-9AA0-98BE8C1D7F2F}"/>
+              </a:ext>
+            </a:extLst>
+          </p:cNvPr>
+          <p:cNvSpPr/>
+          <p:nvPr/>
+        </p:nvSpPr>
+        <p:spPr bwMode="auto">
+          <a:xfrm rot="895415">
+            <a:off x="3983583" y="4898526"/>
+            <a:ext cx="228600" cy="457200"/>
+          </a:xfrm>
+          <a:prstGeom prst="downArrow">
+            <a:avLst/>
+          </a:prstGeom>
+          <a:solidFill>
+            <a:srgbClr val="FF0000"/>
+          </a:solidFill>
+          <a:ln w="9525" cap="flat" cmpd="sng" algn="ctr">
+            <a:solidFill>
+              <a:schemeClr val="tx1"/>
+            </a:solidFill>
+            <a:prstDash val="solid"/>
+            <a:round/>
+            <a:headEnd type="none" w="med" len="med"/>
+            <a:tailEnd type="none" w="med" len="med"/>
+          </a:ln>
+          <a:effectLst/>
+          <a:extLst>
+            <a:ext uri="{AF507438-7753-43e0-B8FC-AC1667EBCBE1}">
+              <a14:hiddenEffects xmlns:a14="http://schemas.microsoft.com/office/drawing/2010/main" xmlns="">
+                <a:effectLst>
+                  <a:outerShdw blurRad="63500" dist="38099" dir="2700000" algn="ctr" rotWithShape="0">
+                    <a:schemeClr val="bg2">
+                      <a:alpha val="74998"/>
+                    </a:schemeClr>
+                  </a:outerShdw>
+                </a:effectLst>
+              </a14:hiddenEffects>
+            </a:ext>
+          </a:extLst>
+        </p:spPr>
+        <p:txBody>
+          <a:bodyPr vert="horz" wrap="square" lIns="91440" tIns="45720" rIns="91440" bIns="45720" numCol="1" rtlCol="0" anchor="t" anchorCtr="0" compatLnSpc="1">
+            <a:prstTxWarp prst="textNoShape">
+              <a:avLst/>
+            </a:prstTxWarp>
+          </a:bodyPr>
+          <a:lstStyle/>
+          <a:p>
+            <a:pPr marL="0" marR="0" indent="0" algn="l" defTabSz="914400" rtl="0" eaLnBrk="0" fontAlgn="base" latinLnBrk="0" hangingPunct="0">
+              <a:lnSpc>
+                <a:spcPct val="100000"/>
+              </a:lnSpc>
+              <a:spcBef>
+                <a:spcPct val="0"/>
+              </a:spcBef>
+              <a:spcAft>
+                <a:spcPct val="0"/>
+              </a:spcAft>
+              <a:buClrTx/>
+              <a:buSzTx/>
+              <a:buFontTx/>
+              <a:buNone/>
+              <a:tabLst/>
+            </a:pPr>
+            <a:endParaRPr kumimoji="0" lang="en-US" sz="1600" b="0" i="0" u="none" strike="noStrike" cap="none" normalizeH="0" baseline="0">
+              <a:ln>
+                <a:noFill/>
+              </a:ln>
+              <a:solidFill>
+                <a:srgbClr val="000000"/>
+              </a:solidFill>
+              <a:effectLst/>
+              <a:latin typeface="Arial" charset="0"/>
+              <a:ea typeface="ＭＳ Ｐゴシック" charset="0"/>
+            </a:endParaRPr>
+          </a:p>
+        </p:txBody>
+      </p:sp>
+    </p:spTree>
+    <p:extLst>
+      <p:ext uri="{BB962C8B-B14F-4D97-AF65-F5344CB8AC3E}">
+        <p14:creationId xmlns:p14="http://schemas.microsoft.com/office/powerpoint/2010/main" val="4039615669"/>
       </p:ext>
     </p:extLst>
   </p:cSld>
